--- a/Modulul 3.pptx
+++ b/Modulul 3.pptx
@@ -6,12 +6,17 @@
   </p:sldMasterIdLst>
   <p:sldIdLst>
     <p:sldId id="256" r:id="rId2"/>
-    <p:sldId id="257" r:id="rId3"/>
+    <p:sldId id="269" r:id="rId3"/>
     <p:sldId id="258" r:id="rId4"/>
     <p:sldId id="259" r:id="rId5"/>
     <p:sldId id="260" r:id="rId6"/>
     <p:sldId id="261" r:id="rId7"/>
     <p:sldId id="262" r:id="rId8"/>
+    <p:sldId id="263" r:id="rId9"/>
+    <p:sldId id="264" r:id="rId10"/>
+    <p:sldId id="265" r:id="rId11"/>
+    <p:sldId id="266" r:id="rId12"/>
+    <p:sldId id="267" r:id="rId13"/>
   </p:sldIdLst>
   <p:sldSz cx="12192000" cy="6858000"/>
   <p:notesSz cx="6858000" cy="9144000"/>
@@ -110,6 +115,11 @@
       </a:defRPr>
     </a:lvl9pPr>
   </p:defaultTextStyle>
+  <p:extLst>
+    <p:ext uri="{EFAFB233-063F-42B5-8137-9DF3F51BA10A}">
+      <p15:sldGuideLst xmlns:p15="http://schemas.microsoft.com/office/powerpoint/2012/main"/>
+    </p:ext>
+  </p:extLst>
 </p:presentation>
 </file>
 
@@ -444,7 +454,7 @@
           <a:p>
             <a:fld id="{33F5A318-40E8-4326-B292-3ACCAF34C454}" type="datetimeFigureOut">
               <a:rPr lang="ro-RO" smtClean="0"/>
-              <a:t>18.04.2022</a:t>
+              <a:t>20.04.2022</a:t>
             </a:fld>
             <a:endParaRPr lang="ro-RO"/>
           </a:p>
@@ -768,7 +778,7 @@
           <a:p>
             <a:fld id="{33F5A318-40E8-4326-B292-3ACCAF34C454}" type="datetimeFigureOut">
               <a:rPr lang="ro-RO" smtClean="0"/>
-              <a:t>18.04.2022</a:t>
+              <a:t>20.04.2022</a:t>
             </a:fld>
             <a:endParaRPr lang="ro-RO"/>
           </a:p>
@@ -1016,7 +1026,7 @@
           <a:p>
             <a:fld id="{33F5A318-40E8-4326-B292-3ACCAF34C454}" type="datetimeFigureOut">
               <a:rPr lang="ro-RO" smtClean="0"/>
-              <a:t>18.04.2022</a:t>
+              <a:t>20.04.2022</a:t>
             </a:fld>
             <a:endParaRPr lang="ro-RO"/>
           </a:p>
@@ -1355,7 +1365,7 @@
           <a:p>
             <a:fld id="{33F5A318-40E8-4326-B292-3ACCAF34C454}" type="datetimeFigureOut">
               <a:rPr lang="ro-RO" smtClean="0"/>
-              <a:t>18.04.2022</a:t>
+              <a:t>20.04.2022</a:t>
             </a:fld>
             <a:endParaRPr lang="ro-RO"/>
           </a:p>
@@ -1702,7 +1712,7 @@
           <a:p>
             <a:fld id="{33F5A318-40E8-4326-B292-3ACCAF34C454}" type="datetimeFigureOut">
               <a:rPr lang="ro-RO" smtClean="0"/>
-              <a:t>18.04.2022</a:t>
+              <a:t>20.04.2022</a:t>
             </a:fld>
             <a:endParaRPr lang="ro-RO"/>
           </a:p>
@@ -2076,7 +2086,7 @@
           <a:p>
             <a:fld id="{33F5A318-40E8-4326-B292-3ACCAF34C454}" type="datetimeFigureOut">
               <a:rPr lang="ro-RO" smtClean="0"/>
-              <a:t>18.04.2022</a:t>
+              <a:t>20.04.2022</a:t>
             </a:fld>
             <a:endParaRPr lang="ro-RO"/>
           </a:p>
@@ -2546,7 +2556,7 @@
           <a:p>
             <a:fld id="{33F5A318-40E8-4326-B292-3ACCAF34C454}" type="datetimeFigureOut">
               <a:rPr lang="ro-RO" smtClean="0"/>
-              <a:t>18.04.2022</a:t>
+              <a:t>20.04.2022</a:t>
             </a:fld>
             <a:endParaRPr lang="ro-RO"/>
           </a:p>
@@ -2751,7 +2761,7 @@
           <a:p>
             <a:fld id="{33F5A318-40E8-4326-B292-3ACCAF34C454}" type="datetimeFigureOut">
               <a:rPr lang="ro-RO" smtClean="0"/>
-              <a:t>18.04.2022</a:t>
+              <a:t>20.04.2022</a:t>
             </a:fld>
             <a:endParaRPr lang="ro-RO"/>
           </a:p>
@@ -2962,7 +2972,7 @@
           <a:p>
             <a:fld id="{33F5A318-40E8-4326-B292-3ACCAF34C454}" type="datetimeFigureOut">
               <a:rPr lang="ro-RO" smtClean="0"/>
-              <a:t>18.04.2022</a:t>
+              <a:t>20.04.2022</a:t>
             </a:fld>
             <a:endParaRPr lang="ro-RO"/>
           </a:p>
@@ -3194,7 +3204,7 @@
           <a:p>
             <a:fld id="{33F5A318-40E8-4326-B292-3ACCAF34C454}" type="datetimeFigureOut">
               <a:rPr lang="ro-RO" smtClean="0"/>
-              <a:t>18.04.2022</a:t>
+              <a:t>20.04.2022</a:t>
             </a:fld>
             <a:endParaRPr lang="ro-RO"/>
           </a:p>
@@ -3442,7 +3452,7 @@
           <a:p>
             <a:fld id="{33F5A318-40E8-4326-B292-3ACCAF34C454}" type="datetimeFigureOut">
               <a:rPr lang="ro-RO" smtClean="0"/>
-              <a:t>18.04.2022</a:t>
+              <a:t>20.04.2022</a:t>
             </a:fld>
             <a:endParaRPr lang="ro-RO"/>
           </a:p>
@@ -3740,7 +3750,7 @@
           <a:p>
             <a:fld id="{33F5A318-40E8-4326-B292-3ACCAF34C454}" type="datetimeFigureOut">
               <a:rPr lang="ro-RO" smtClean="0"/>
-              <a:t>18.04.2022</a:t>
+              <a:t>20.04.2022</a:t>
             </a:fld>
             <a:endParaRPr lang="ro-RO"/>
           </a:p>
@@ -4134,7 +4144,7 @@
           <a:p>
             <a:fld id="{33F5A318-40E8-4326-B292-3ACCAF34C454}" type="datetimeFigureOut">
               <a:rPr lang="ro-RO" smtClean="0"/>
-              <a:t>18.04.2022</a:t>
+              <a:t>20.04.2022</a:t>
             </a:fld>
             <a:endParaRPr lang="ro-RO"/>
           </a:p>
@@ -4283,7 +4293,7 @@
           <a:p>
             <a:fld id="{33F5A318-40E8-4326-B292-3ACCAF34C454}" type="datetimeFigureOut">
               <a:rPr lang="ro-RO" smtClean="0"/>
-              <a:t>18.04.2022</a:t>
+              <a:t>20.04.2022</a:t>
             </a:fld>
             <a:endParaRPr lang="ro-RO"/>
           </a:p>
@@ -4409,7 +4419,7 @@
           <a:p>
             <a:fld id="{33F5A318-40E8-4326-B292-3ACCAF34C454}" type="datetimeFigureOut">
               <a:rPr lang="ro-RO" smtClean="0"/>
-              <a:t>18.04.2022</a:t>
+              <a:t>20.04.2022</a:t>
             </a:fld>
             <a:endParaRPr lang="ro-RO"/>
           </a:p>
@@ -4664,7 +4674,7 @@
           <a:p>
             <a:fld id="{33F5A318-40E8-4326-B292-3ACCAF34C454}" type="datetimeFigureOut">
               <a:rPr lang="ro-RO" smtClean="0"/>
-              <a:t>18.04.2022</a:t>
+              <a:t>20.04.2022</a:t>
             </a:fld>
             <a:endParaRPr lang="ro-RO"/>
           </a:p>
@@ -4979,7 +4989,7 @@
           <a:p>
             <a:fld id="{33F5A318-40E8-4326-B292-3ACCAF34C454}" type="datetimeFigureOut">
               <a:rPr lang="ro-RO" smtClean="0"/>
-              <a:t>18.04.2022</a:t>
+              <a:t>20.04.2022</a:t>
             </a:fld>
             <a:endParaRPr lang="ro-RO"/>
           </a:p>
@@ -5330,7 +5340,7 @@
           <a:p>
             <a:fld id="{33F5A318-40E8-4326-B292-3ACCAF34C454}" type="datetimeFigureOut">
               <a:rPr lang="ro-RO" smtClean="0"/>
-              <a:t>18.04.2022</a:t>
+              <a:t>20.04.2022</a:t>
             </a:fld>
             <a:endParaRPr lang="ro-RO"/>
           </a:p>
@@ -5889,30 +5899,72 @@
           <a:lstStyle/>
           <a:p>
             <a:r>
-              <a:rPr lang="en-GB" dirty="0" smtClean="0"/>
+              <a:rPr lang="en-GB" b="1" dirty="0" smtClean="0">
+                <a:solidFill>
+                  <a:schemeClr val="accent6"/>
+                </a:solidFill>
+                <a:latin typeface="Arial" panose="020B0604020202020204" pitchFamily="34" charset="0"/>
+                <a:cs typeface="Arial" panose="020B0604020202020204" pitchFamily="34" charset="0"/>
+              </a:rPr>
               <a:t>Care </a:t>
             </a:r>
             <a:r>
-              <a:rPr lang="en-GB" dirty="0" err="1" smtClean="0"/>
+              <a:rPr lang="en-GB" b="1" dirty="0" err="1" smtClean="0">
+                <a:solidFill>
+                  <a:schemeClr val="accent6"/>
+                </a:solidFill>
+                <a:latin typeface="Arial" panose="020B0604020202020204" pitchFamily="34" charset="0"/>
+                <a:cs typeface="Arial" panose="020B0604020202020204" pitchFamily="34" charset="0"/>
+              </a:rPr>
               <a:t>este</a:t>
             </a:r>
             <a:r>
-              <a:rPr lang="en-GB" dirty="0" smtClean="0"/>
+              <a:rPr lang="en-GB" b="1" dirty="0" smtClean="0">
+                <a:solidFill>
+                  <a:schemeClr val="accent6"/>
+                </a:solidFill>
+                <a:latin typeface="Arial" panose="020B0604020202020204" pitchFamily="34" charset="0"/>
+                <a:cs typeface="Arial" panose="020B0604020202020204" pitchFamily="34" charset="0"/>
+              </a:rPr>
               <a:t> </a:t>
             </a:r>
             <a:r>
-              <a:rPr lang="en-GB" dirty="0" err="1" smtClean="0"/>
+              <a:rPr lang="en-GB" b="1" dirty="0" err="1" smtClean="0">
+                <a:solidFill>
+                  <a:schemeClr val="accent6"/>
+                </a:solidFill>
+                <a:latin typeface="Arial" panose="020B0604020202020204" pitchFamily="34" charset="0"/>
+                <a:cs typeface="Arial" panose="020B0604020202020204" pitchFamily="34" charset="0"/>
+              </a:rPr>
               <a:t>stilul</a:t>
             </a:r>
             <a:r>
-              <a:rPr lang="en-GB" dirty="0" smtClean="0"/>
+              <a:rPr lang="en-GB" b="1" dirty="0" smtClean="0">
+                <a:solidFill>
+                  <a:schemeClr val="accent6"/>
+                </a:solidFill>
+                <a:latin typeface="Arial" panose="020B0604020202020204" pitchFamily="34" charset="0"/>
+                <a:cs typeface="Arial" panose="020B0604020202020204" pitchFamily="34" charset="0"/>
+              </a:rPr>
               <a:t> t</a:t>
             </a:r>
             <a:r>
-              <a:rPr lang="ro-RO" dirty="0" smtClean="0"/>
+              <a:rPr lang="ro-RO" b="1" dirty="0" smtClean="0">
+                <a:solidFill>
+                  <a:schemeClr val="accent6"/>
+                </a:solidFill>
+                <a:latin typeface="Arial" panose="020B0604020202020204" pitchFamily="34" charset="0"/>
+                <a:cs typeface="Arial" panose="020B0604020202020204" pitchFamily="34" charset="0"/>
+              </a:rPr>
               <a:t>ău de învățare ???</a:t>
             </a:r>
-            <a:endParaRPr lang="ro-RO" dirty="0"/>
+            <a:endParaRPr lang="ro-RO" b="1" dirty="0">
+              <a:solidFill>
+                <a:schemeClr val="accent6"/>
+              </a:solidFill>
+              <a:latin typeface="Arial" panose="020B0604020202020204" pitchFamily="34" charset="0"/>
+              <a:cs typeface="Arial" panose="020B0604020202020204" pitchFamily="34" charset="0"/>
+            </a:endParaRPr>
           </a:p>
         </p:txBody>
       </p:sp>
@@ -5926,12 +5978,21 @@
             <p:ph type="subTitle" idx="1"/>
           </p:nvPr>
         </p:nvSpPr>
-        <p:spPr/>
+        <p:spPr>
+          <a:xfrm>
+            <a:off x="2692398" y="3864077"/>
+            <a:ext cx="6815669" cy="1114322"/>
+          </a:xfrm>
+        </p:spPr>
         <p:txBody>
           <a:bodyPr/>
           <a:lstStyle/>
           <a:p>
-            <a:endParaRPr lang="ro-RO"/>
+            <a:r>
+              <a:rPr lang="ro-RO" b="1" dirty="0" smtClean="0"/>
+              <a:t>MODULUL 3</a:t>
+            </a:r>
+            <a:endParaRPr lang="ro-RO" b="1" dirty="0"/>
           </a:p>
         </p:txBody>
       </p:sp>
@@ -5945,6 +6006,664 @@
   <p:clrMapOvr>
     <a:masterClrMapping/>
   </p:clrMapOvr>
+  <p:timing>
+    <p:tnLst>
+      <p:par>
+        <p:cTn id="1" dur="indefinite" restart="never" nodeType="tmRoot"/>
+      </p:par>
+    </p:tnLst>
+  </p:timing>
+</p:sld>
+</file>
+
+<file path=ppt/slides/slide10.xml><?xml version="1.0" encoding="utf-8"?>
+<p:sld xmlns:a="http://schemas.openxmlformats.org/drawingml/2006/main" xmlns:r="http://schemas.openxmlformats.org/officeDocument/2006/relationships" xmlns:p="http://schemas.openxmlformats.org/presentationml/2006/main">
+  <p:cSld>
+    <p:spTree>
+      <p:nvGrpSpPr>
+        <p:cNvPr id="1" name=""/>
+        <p:cNvGrpSpPr/>
+        <p:nvPr/>
+      </p:nvGrpSpPr>
+      <p:grpSpPr>
+        <a:xfrm>
+          <a:off x="0" y="0"/>
+          <a:ext cx="0" cy="0"/>
+          <a:chOff x="0" y="0"/>
+          <a:chExt cx="0" cy="0"/>
+        </a:xfrm>
+      </p:grpSpPr>
+      <p:sp>
+        <p:nvSpPr>
+          <p:cNvPr id="2" name="Title 1"/>
+          <p:cNvSpPr>
+            <a:spLocks noGrp="1"/>
+          </p:cNvSpPr>
+          <p:nvPr>
+            <p:ph type="title"/>
+          </p:nvPr>
+        </p:nvSpPr>
+        <p:spPr/>
+        <p:txBody>
+          <a:bodyPr/>
+          <a:lstStyle/>
+          <a:p>
+            <a:r>
+              <a:rPr lang="ro-RO" b="1" dirty="0" smtClean="0">
+                <a:latin typeface="Arial" panose="020B0604020202020204" pitchFamily="34" charset="0"/>
+                <a:cs typeface="Arial" panose="020B0604020202020204" pitchFamily="34" charset="0"/>
+              </a:rPr>
+              <a:t>POVESTEA </a:t>
+            </a:r>
+            <a:endParaRPr lang="ro-RO" b="1" dirty="0">
+              <a:latin typeface="Arial" panose="020B0604020202020204" pitchFamily="34" charset="0"/>
+              <a:cs typeface="Arial" panose="020B0604020202020204" pitchFamily="34" charset="0"/>
+            </a:endParaRPr>
+          </a:p>
+        </p:txBody>
+      </p:sp>
+      <p:sp>
+        <p:nvSpPr>
+          <p:cNvPr id="3" name="Content Placeholder 2"/>
+          <p:cNvSpPr>
+            <a:spLocks noGrp="1"/>
+          </p:cNvSpPr>
+          <p:nvPr>
+            <p:ph idx="1"/>
+          </p:nvPr>
+        </p:nvSpPr>
+        <p:spPr/>
+        <p:txBody>
+          <a:bodyPr>
+            <a:normAutofit lnSpcReduction="10000"/>
+          </a:bodyPr>
+          <a:lstStyle/>
+          <a:p>
+            <a:pPr marL="0" indent="0">
+              <a:buNone/>
+            </a:pPr>
+            <a:r>
+              <a:rPr lang="ro-RO" dirty="0" smtClean="0">
+                <a:latin typeface="Arial" panose="020B0604020202020204" pitchFamily="34" charset="0"/>
+                <a:cs typeface="Arial" panose="020B0604020202020204" pitchFamily="34" charset="0"/>
+              </a:rPr>
+              <a:t>Acesta este chiar motivul pentru care profesorii pe care îi considerăm buni sunt aceia care au </a:t>
+            </a:r>
+            <a:r>
+              <a:rPr lang="ro-RO" b="1" dirty="0" smtClean="0">
+                <a:solidFill>
+                  <a:schemeClr val="accent6"/>
+                </a:solidFill>
+                <a:latin typeface="Arial" panose="020B0604020202020204" pitchFamily="34" charset="0"/>
+                <a:cs typeface="Arial" panose="020B0604020202020204" pitchFamily="34" charset="0"/>
+              </a:rPr>
+              <a:t>harul de a spune </a:t>
+            </a:r>
+            <a:r>
+              <a:rPr lang="en-GB" b="1" dirty="0" err="1" smtClean="0">
+                <a:solidFill>
+                  <a:schemeClr val="accent6"/>
+                </a:solidFill>
+                <a:latin typeface="Arial" panose="020B0604020202020204" pitchFamily="34" charset="0"/>
+                <a:cs typeface="Arial" panose="020B0604020202020204" pitchFamily="34" charset="0"/>
+              </a:rPr>
+              <a:t>pove</a:t>
+            </a:r>
+            <a:r>
+              <a:rPr lang="ro-RO" b="1" dirty="0" smtClean="0">
+                <a:solidFill>
+                  <a:schemeClr val="accent6"/>
+                </a:solidFill>
+                <a:latin typeface="Arial" panose="020B0604020202020204" pitchFamily="34" charset="0"/>
+                <a:cs typeface="Arial" panose="020B0604020202020204" pitchFamily="34" charset="0"/>
+              </a:rPr>
+              <a:t>ști</a:t>
+            </a:r>
+            <a:r>
+              <a:rPr lang="ro-RO" dirty="0" smtClean="0">
+                <a:solidFill>
+                  <a:schemeClr val="accent6"/>
+                </a:solidFill>
+                <a:latin typeface="Arial" panose="020B0604020202020204" pitchFamily="34" charset="0"/>
+                <a:cs typeface="Arial" panose="020B0604020202020204" pitchFamily="34" charset="0"/>
+              </a:rPr>
+              <a:t> </a:t>
+            </a:r>
+            <a:r>
+              <a:rPr lang="ro-RO" dirty="0" smtClean="0">
+                <a:latin typeface="Arial" panose="020B0604020202020204" pitchFamily="34" charset="0"/>
+                <a:cs typeface="Arial" panose="020B0604020202020204" pitchFamily="34" charset="0"/>
+              </a:rPr>
+              <a:t>și își structurează astfel materia. </a:t>
+            </a:r>
+          </a:p>
+          <a:p>
+            <a:pPr marL="0" indent="0">
+              <a:buNone/>
+            </a:pPr>
+            <a:r>
+              <a:rPr lang="ro-RO" dirty="0" smtClean="0">
+                <a:latin typeface="Arial" panose="020B0604020202020204" pitchFamily="34" charset="0"/>
+                <a:cs typeface="Arial" panose="020B0604020202020204" pitchFamily="34" charset="0"/>
+              </a:rPr>
+              <a:t>Povestea este importantă pentru că impune logică și cronologie unui concept. </a:t>
+            </a:r>
+          </a:p>
+          <a:p>
+            <a:r>
+              <a:rPr lang="ro-RO" b="1" dirty="0" smtClean="0">
+                <a:solidFill>
+                  <a:schemeClr val="accent6"/>
+                </a:solidFill>
+                <a:latin typeface="Arial" panose="020B0604020202020204" pitchFamily="34" charset="0"/>
+                <a:cs typeface="Arial" panose="020B0604020202020204" pitchFamily="34" charset="0"/>
+              </a:rPr>
+              <a:t>Doar 12 oameni </a:t>
+            </a:r>
+            <a:r>
+              <a:rPr lang="ro-RO" dirty="0" smtClean="0">
+                <a:latin typeface="Arial" panose="020B0604020202020204" pitchFamily="34" charset="0"/>
+                <a:cs typeface="Arial" panose="020B0604020202020204" pitchFamily="34" charset="0"/>
+              </a:rPr>
+              <a:t>au memorat </a:t>
+            </a:r>
+            <a:r>
+              <a:rPr lang="ro-RO" b="1" dirty="0" smtClean="0">
+                <a:latin typeface="Arial" panose="020B0604020202020204" pitchFamily="34" charset="0"/>
+                <a:cs typeface="Arial" panose="020B0604020202020204" pitchFamily="34" charset="0"/>
+              </a:rPr>
+              <a:t>20.000 de zecimale ale lui </a:t>
+            </a:r>
+            <a:r>
+              <a:rPr lang="el-GR" b="1" dirty="0" smtClean="0">
+                <a:latin typeface="Arial" panose="020B0604020202020204" pitchFamily="34" charset="0"/>
+                <a:cs typeface="Arial" panose="020B0604020202020204" pitchFamily="34" charset="0"/>
+              </a:rPr>
+              <a:t>π</a:t>
+            </a:r>
+            <a:endParaRPr lang="ro-RO" b="1" dirty="0">
+              <a:latin typeface="Arial" panose="020B0604020202020204" pitchFamily="34" charset="0"/>
+              <a:cs typeface="Arial" panose="020B0604020202020204" pitchFamily="34" charset="0"/>
+            </a:endParaRPr>
+          </a:p>
+          <a:p>
+            <a:r>
+              <a:rPr lang="ro-RO" dirty="0" smtClean="0">
+                <a:latin typeface="Arial" panose="020B0604020202020204" pitchFamily="34" charset="0"/>
+                <a:cs typeface="Arial" panose="020B0604020202020204" pitchFamily="34" charset="0"/>
+              </a:rPr>
+              <a:t>O mulțime de oameni l-au jucat pe </a:t>
+            </a:r>
+            <a:r>
+              <a:rPr lang="ro-RO" b="1" dirty="0" smtClean="0">
+                <a:solidFill>
+                  <a:schemeClr val="accent6"/>
+                </a:solidFill>
+                <a:latin typeface="Arial" panose="020B0604020202020204" pitchFamily="34" charset="0"/>
+                <a:cs typeface="Arial" panose="020B0604020202020204" pitchFamily="34" charset="0"/>
+              </a:rPr>
+              <a:t>Hamlet</a:t>
+            </a:r>
+            <a:r>
+              <a:rPr lang="ro-RO" dirty="0" smtClean="0">
+                <a:latin typeface="Arial" panose="020B0604020202020204" pitchFamily="34" charset="0"/>
+                <a:cs typeface="Arial" panose="020B0604020202020204" pitchFamily="34" charset="0"/>
+              </a:rPr>
+              <a:t>, care conține aprox </a:t>
+            </a:r>
+            <a:r>
+              <a:rPr lang="ro-RO" b="1" dirty="0" smtClean="0">
+                <a:latin typeface="Arial" panose="020B0604020202020204" pitchFamily="34" charset="0"/>
+                <a:cs typeface="Arial" panose="020B0604020202020204" pitchFamily="34" charset="0"/>
+              </a:rPr>
+              <a:t>50.000 de litere </a:t>
+            </a:r>
+            <a:endParaRPr lang="ro-RO" b="1" dirty="0">
+              <a:latin typeface="Arial" panose="020B0604020202020204" pitchFamily="34" charset="0"/>
+              <a:cs typeface="Arial" panose="020B0604020202020204" pitchFamily="34" charset="0"/>
+            </a:endParaRPr>
+          </a:p>
+        </p:txBody>
+      </p:sp>
+    </p:spTree>
+    <p:extLst>
+      <p:ext uri="{BB962C8B-B14F-4D97-AF65-F5344CB8AC3E}">
+        <p14:creationId xmlns:p14="http://schemas.microsoft.com/office/powerpoint/2010/main" val="2742676251"/>
+      </p:ext>
+    </p:extLst>
+  </p:cSld>
+  <p:clrMapOvr>
+    <a:masterClrMapping/>
+  </p:clrMapOvr>
+  <p:timing>
+    <p:tnLst>
+      <p:par>
+        <p:cTn id="1" dur="indefinite" restart="never" nodeType="tmRoot"/>
+      </p:par>
+    </p:tnLst>
+  </p:timing>
+</p:sld>
+</file>
+
+<file path=ppt/slides/slide11.xml><?xml version="1.0" encoding="utf-8"?>
+<p:sld xmlns:a="http://schemas.openxmlformats.org/drawingml/2006/main" xmlns:r="http://schemas.openxmlformats.org/officeDocument/2006/relationships" xmlns:p="http://schemas.openxmlformats.org/presentationml/2006/main">
+  <p:cSld>
+    <p:spTree>
+      <p:nvGrpSpPr>
+        <p:cNvPr id="1" name=""/>
+        <p:cNvGrpSpPr/>
+        <p:nvPr/>
+      </p:nvGrpSpPr>
+      <p:grpSpPr>
+        <a:xfrm>
+          <a:off x="0" y="0"/>
+          <a:ext cx="0" cy="0"/>
+          <a:chOff x="0" y="0"/>
+          <a:chExt cx="0" cy="0"/>
+        </a:xfrm>
+      </p:grpSpPr>
+      <p:sp>
+        <p:nvSpPr>
+          <p:cNvPr id="2" name="Title 1"/>
+          <p:cNvSpPr>
+            <a:spLocks noGrp="1"/>
+          </p:cNvSpPr>
+          <p:nvPr>
+            <p:ph type="title"/>
+          </p:nvPr>
+        </p:nvSpPr>
+        <p:spPr/>
+        <p:txBody>
+          <a:bodyPr/>
+          <a:lstStyle/>
+          <a:p>
+            <a:r>
+              <a:rPr lang="ro-RO" b="1" dirty="0" smtClean="0">
+                <a:latin typeface="Arial" panose="020B0604020202020204" pitchFamily="34" charset="0"/>
+                <a:cs typeface="Arial" panose="020B0604020202020204" pitchFamily="34" charset="0"/>
+              </a:rPr>
+              <a:t>Tehnică de memorare a numerelor </a:t>
+            </a:r>
+            <a:endParaRPr lang="ro-RO" b="1" dirty="0">
+              <a:latin typeface="Arial" panose="020B0604020202020204" pitchFamily="34" charset="0"/>
+              <a:cs typeface="Arial" panose="020B0604020202020204" pitchFamily="34" charset="0"/>
+            </a:endParaRPr>
+          </a:p>
+        </p:txBody>
+      </p:sp>
+      <p:sp>
+        <p:nvSpPr>
+          <p:cNvPr id="3" name="Content Placeholder 2"/>
+          <p:cNvSpPr>
+            <a:spLocks noGrp="1"/>
+          </p:cNvSpPr>
+          <p:nvPr>
+            <p:ph idx="1"/>
+          </p:nvPr>
+        </p:nvSpPr>
+        <p:spPr>
+          <a:xfrm>
+            <a:off x="3802627" y="2645422"/>
+            <a:ext cx="1850922" cy="3318936"/>
+          </a:xfrm>
+        </p:spPr>
+        <p:txBody>
+          <a:bodyPr/>
+          <a:lstStyle/>
+          <a:p>
+            <a:r>
+              <a:rPr lang="ro-RO" b="1" dirty="0" smtClean="0"/>
+              <a:t>0</a:t>
+            </a:r>
+            <a:r>
+              <a:rPr lang="en-GB" b="1" dirty="0" smtClean="0"/>
+              <a:t> </a:t>
+            </a:r>
+            <a:r>
+              <a:rPr lang="ro-RO" b="1" dirty="0" smtClean="0"/>
+              <a:t>— </a:t>
+            </a:r>
+            <a:r>
+              <a:rPr lang="en-GB" b="1" dirty="0" smtClean="0"/>
+              <a:t>O</a:t>
+            </a:r>
+          </a:p>
+          <a:p>
+            <a:r>
+              <a:rPr lang="en-GB" b="1" dirty="0" smtClean="0"/>
+              <a:t>1 </a:t>
+            </a:r>
+            <a:r>
+              <a:rPr lang="ro-RO" b="1" dirty="0"/>
+              <a:t>— </a:t>
+            </a:r>
+            <a:r>
+              <a:rPr lang="en-GB" b="1" dirty="0" smtClean="0"/>
+              <a:t> I</a:t>
+            </a:r>
+          </a:p>
+          <a:p>
+            <a:r>
+              <a:rPr lang="en-GB" b="1" dirty="0" smtClean="0"/>
+              <a:t>2 </a:t>
+            </a:r>
+            <a:r>
+              <a:rPr lang="ro-RO" b="1" dirty="0"/>
+              <a:t>— </a:t>
+            </a:r>
+            <a:r>
+              <a:rPr lang="en-GB" b="1" dirty="0" smtClean="0"/>
+              <a:t> Z</a:t>
+            </a:r>
+          </a:p>
+          <a:p>
+            <a:r>
+              <a:rPr lang="en-GB" b="1" dirty="0" smtClean="0"/>
+              <a:t>3 </a:t>
+            </a:r>
+            <a:r>
+              <a:rPr lang="ro-RO" b="1" dirty="0"/>
+              <a:t>— </a:t>
+            </a:r>
+            <a:r>
+              <a:rPr lang="en-GB" b="1" dirty="0" smtClean="0"/>
+              <a:t> E</a:t>
+            </a:r>
+          </a:p>
+          <a:p>
+            <a:r>
+              <a:rPr lang="en-GB" b="1" dirty="0" smtClean="0"/>
+              <a:t>4 </a:t>
+            </a:r>
+            <a:r>
+              <a:rPr lang="ro-RO" b="1" dirty="0"/>
+              <a:t>— </a:t>
+            </a:r>
+            <a:r>
+              <a:rPr lang="en-GB" b="1" dirty="0" smtClean="0"/>
+              <a:t> A</a:t>
+            </a:r>
+          </a:p>
+          <a:p>
+            <a:r>
+              <a:rPr lang="en-GB" b="1" dirty="0" smtClean="0"/>
+              <a:t>5 </a:t>
+            </a:r>
+            <a:r>
+              <a:rPr lang="ro-RO" b="1" dirty="0"/>
+              <a:t>— </a:t>
+            </a:r>
+            <a:r>
+              <a:rPr lang="en-GB" b="1" dirty="0" smtClean="0"/>
+              <a:t> S</a:t>
+            </a:r>
+            <a:endParaRPr lang="ro-RO" b="1" dirty="0"/>
+          </a:p>
+        </p:txBody>
+      </p:sp>
+      <p:sp>
+        <p:nvSpPr>
+          <p:cNvPr id="6" name="TextBox 5"/>
+          <p:cNvSpPr txBox="1"/>
+          <p:nvPr/>
+        </p:nvSpPr>
+        <p:spPr>
+          <a:xfrm>
+            <a:off x="7197212" y="2802738"/>
+            <a:ext cx="1612490" cy="2677656"/>
+          </a:xfrm>
+          <a:prstGeom prst="rect">
+            <a:avLst/>
+          </a:prstGeom>
+          <a:noFill/>
+        </p:spPr>
+        <p:txBody>
+          <a:bodyPr wrap="square" rtlCol="0">
+            <a:spAutoFit/>
+          </a:bodyPr>
+          <a:lstStyle/>
+          <a:p>
+            <a:pPr marL="285750" indent="-285750">
+              <a:buFont typeface="Arial" panose="020B0604020202020204" pitchFamily="34" charset="0"/>
+              <a:buChar char="•"/>
+            </a:pPr>
+            <a:r>
+              <a:rPr lang="en-GB" sz="2400" b="1" dirty="0" smtClean="0"/>
+              <a:t>6 </a:t>
+            </a:r>
+            <a:r>
+              <a:rPr lang="ro-RO" sz="2400" b="1" dirty="0"/>
+              <a:t>— </a:t>
+            </a:r>
+            <a:r>
+              <a:rPr lang="en-GB" sz="2400" b="1" dirty="0" smtClean="0"/>
+              <a:t> G</a:t>
+            </a:r>
+          </a:p>
+          <a:p>
+            <a:endParaRPr lang="en-GB" sz="2400" b="1" dirty="0" smtClean="0"/>
+          </a:p>
+          <a:p>
+            <a:pPr marL="285750" indent="-285750">
+              <a:buFont typeface="Arial" panose="020B0604020202020204" pitchFamily="34" charset="0"/>
+              <a:buChar char="•"/>
+            </a:pPr>
+            <a:r>
+              <a:rPr lang="en-GB" sz="2400" b="1" dirty="0" smtClean="0"/>
+              <a:t>7 </a:t>
+            </a:r>
+            <a:r>
+              <a:rPr lang="ro-RO" sz="2400" b="1" dirty="0"/>
+              <a:t>— </a:t>
+            </a:r>
+            <a:r>
+              <a:rPr lang="en-GB" sz="2400" b="1" dirty="0" smtClean="0"/>
+              <a:t>T</a:t>
+            </a:r>
+          </a:p>
+          <a:p>
+            <a:endParaRPr lang="en-GB" sz="2400" b="1" dirty="0" smtClean="0"/>
+          </a:p>
+          <a:p>
+            <a:pPr marL="285750" indent="-285750">
+              <a:buFont typeface="Arial" panose="020B0604020202020204" pitchFamily="34" charset="0"/>
+              <a:buChar char="•"/>
+            </a:pPr>
+            <a:r>
+              <a:rPr lang="en-GB" sz="2400" b="1" dirty="0" smtClean="0"/>
+              <a:t>8 </a:t>
+            </a:r>
+            <a:r>
+              <a:rPr lang="ro-RO" sz="2400" b="1" dirty="0"/>
+              <a:t>— </a:t>
+            </a:r>
+            <a:r>
+              <a:rPr lang="en-GB" sz="2400" b="1" dirty="0" smtClean="0"/>
+              <a:t>B</a:t>
+            </a:r>
+          </a:p>
+          <a:p>
+            <a:endParaRPr lang="en-GB" sz="2400" b="1" dirty="0" smtClean="0"/>
+          </a:p>
+          <a:p>
+            <a:pPr marL="285750" indent="-285750">
+              <a:buFont typeface="Arial" panose="020B0604020202020204" pitchFamily="34" charset="0"/>
+              <a:buChar char="•"/>
+            </a:pPr>
+            <a:r>
+              <a:rPr lang="en-GB" sz="2400" b="1" dirty="0" smtClean="0"/>
+              <a:t>9 </a:t>
+            </a:r>
+            <a:r>
+              <a:rPr lang="ro-RO" sz="2400" b="1" dirty="0"/>
+              <a:t>— </a:t>
+            </a:r>
+            <a:r>
+              <a:rPr lang="en-GB" sz="2400" b="1" dirty="0" smtClean="0"/>
+              <a:t> J</a:t>
+            </a:r>
+            <a:endParaRPr lang="ro-RO" sz="2400" b="1" dirty="0"/>
+          </a:p>
+        </p:txBody>
+      </p:sp>
+    </p:spTree>
+    <p:extLst>
+      <p:ext uri="{BB962C8B-B14F-4D97-AF65-F5344CB8AC3E}">
+        <p14:creationId xmlns:p14="http://schemas.microsoft.com/office/powerpoint/2010/main" val="2496398352"/>
+      </p:ext>
+    </p:extLst>
+  </p:cSld>
+  <p:clrMapOvr>
+    <a:masterClrMapping/>
+  </p:clrMapOvr>
+  <p:timing>
+    <p:tnLst>
+      <p:par>
+        <p:cTn id="1" dur="indefinite" restart="never" nodeType="tmRoot"/>
+      </p:par>
+    </p:tnLst>
+  </p:timing>
+</p:sld>
+</file>
+
+<file path=ppt/slides/slide12.xml><?xml version="1.0" encoding="utf-8"?>
+<p:sld xmlns:a="http://schemas.openxmlformats.org/drawingml/2006/main" xmlns:r="http://schemas.openxmlformats.org/officeDocument/2006/relationships" xmlns:p="http://schemas.openxmlformats.org/presentationml/2006/main">
+  <p:cSld>
+    <p:spTree>
+      <p:nvGrpSpPr>
+        <p:cNvPr id="1" name=""/>
+        <p:cNvGrpSpPr/>
+        <p:nvPr/>
+      </p:nvGrpSpPr>
+      <p:grpSpPr>
+        <a:xfrm>
+          <a:off x="0" y="0"/>
+          <a:ext cx="0" cy="0"/>
+          <a:chOff x="0" y="0"/>
+          <a:chExt cx="0" cy="0"/>
+        </a:xfrm>
+      </p:grpSpPr>
+      <p:sp>
+        <p:nvSpPr>
+          <p:cNvPr id="2" name="Title 1"/>
+          <p:cNvSpPr>
+            <a:spLocks noGrp="1"/>
+          </p:cNvSpPr>
+          <p:nvPr>
+            <p:ph type="title"/>
+          </p:nvPr>
+        </p:nvSpPr>
+        <p:spPr/>
+        <p:txBody>
+          <a:bodyPr/>
+          <a:lstStyle/>
+          <a:p>
+            <a:r>
+              <a:rPr lang="en-GB" b="1" dirty="0" smtClean="0">
+                <a:solidFill>
+                  <a:schemeClr val="accent6"/>
+                </a:solidFill>
+                <a:latin typeface="Arial" panose="020B0604020202020204" pitchFamily="34" charset="0"/>
+                <a:cs typeface="Arial" panose="020B0604020202020204" pitchFamily="34" charset="0"/>
+              </a:rPr>
+              <a:t>PALATUL MEMORIEI</a:t>
+            </a:r>
+            <a:endParaRPr lang="ro-RO" b="1" dirty="0">
+              <a:solidFill>
+                <a:schemeClr val="accent6"/>
+              </a:solidFill>
+              <a:latin typeface="Arial" panose="020B0604020202020204" pitchFamily="34" charset="0"/>
+              <a:cs typeface="Arial" panose="020B0604020202020204" pitchFamily="34" charset="0"/>
+            </a:endParaRPr>
+          </a:p>
+        </p:txBody>
+      </p:sp>
+      <p:sp>
+        <p:nvSpPr>
+          <p:cNvPr id="3" name="Content Placeholder 2"/>
+          <p:cNvSpPr>
+            <a:spLocks noGrp="1"/>
+          </p:cNvSpPr>
+          <p:nvPr>
+            <p:ph idx="1"/>
+          </p:nvPr>
+        </p:nvSpPr>
+        <p:spPr/>
+        <p:txBody>
+          <a:bodyPr/>
+          <a:lstStyle/>
+          <a:p>
+            <a:pPr marL="0" indent="0">
+              <a:buNone/>
+            </a:pPr>
+            <a:r>
+              <a:rPr lang="en-GB" dirty="0" smtClean="0">
+                <a:latin typeface="Arial" panose="020B0604020202020204" pitchFamily="34" charset="0"/>
+                <a:cs typeface="Arial" panose="020B0604020202020204" pitchFamily="34" charset="0"/>
+              </a:rPr>
+              <a:t>Este o </a:t>
+            </a:r>
+            <a:r>
+              <a:rPr lang="en-GB" dirty="0" err="1" smtClean="0">
+                <a:latin typeface="Arial" panose="020B0604020202020204" pitchFamily="34" charset="0"/>
+                <a:cs typeface="Arial" panose="020B0604020202020204" pitchFamily="34" charset="0"/>
+              </a:rPr>
+              <a:t>tehni</a:t>
+            </a:r>
+            <a:r>
+              <a:rPr lang="ro-RO" dirty="0" smtClean="0">
+                <a:latin typeface="Arial" panose="020B0604020202020204" pitchFamily="34" charset="0"/>
+                <a:cs typeface="Arial" panose="020B0604020202020204" pitchFamily="34" charset="0"/>
+              </a:rPr>
+              <a:t>că străveche folosită de atleții memoriei, care ajută la punerea într-o anumită ordine a unor lucruri neînsemnate. </a:t>
+            </a:r>
+          </a:p>
+          <a:p>
+            <a:pPr marL="0" indent="0" algn="ctr">
+              <a:buNone/>
+            </a:pPr>
+            <a:endParaRPr lang="ro-RO" b="1" dirty="0" smtClean="0"/>
+          </a:p>
+          <a:p>
+            <a:pPr marL="0" indent="0" algn="ctr">
+              <a:buNone/>
+            </a:pPr>
+            <a:r>
+              <a:rPr lang="ro-RO" b="1" dirty="0" smtClean="0"/>
+              <a:t>674   8120   505 </a:t>
+            </a:r>
+          </a:p>
+          <a:p>
+            <a:pPr marL="0" indent="0" algn="ctr">
+              <a:buNone/>
+            </a:pPr>
+            <a:endParaRPr lang="ro-RO" b="1" dirty="0" smtClean="0"/>
+          </a:p>
+          <a:p>
+            <a:pPr marL="0" indent="0" algn="ctr">
+              <a:buNone/>
+            </a:pPr>
+            <a:endParaRPr lang="ro-RO" dirty="0"/>
+          </a:p>
+        </p:txBody>
+      </p:sp>
+    </p:spTree>
+    <p:extLst>
+      <p:ext uri="{BB962C8B-B14F-4D97-AF65-F5344CB8AC3E}">
+        <p14:creationId xmlns:p14="http://schemas.microsoft.com/office/powerpoint/2010/main" val="1718488548"/>
+      </p:ext>
+    </p:extLst>
+  </p:cSld>
+  <p:clrMapOvr>
+    <a:masterClrMapping/>
+  </p:clrMapOvr>
+  <p:timing>
+    <p:tnLst>
+      <p:par>
+        <p:cTn id="1" dur="indefinite" restart="never" nodeType="tmRoot"/>
+      </p:par>
+    </p:tnLst>
+  </p:timing>
 </p:sld>
 </file>
 
@@ -5978,7 +6697,7 @@
         <p:spPr>
           <a:xfrm>
             <a:off x="1295402" y="982133"/>
-            <a:ext cx="9601196" cy="158410"/>
+            <a:ext cx="9601196" cy="296062"/>
           </a:xfrm>
         </p:spPr>
         <p:txBody>
@@ -5998,13 +6717,13 @@
             <a:spLocks noGrp="1"/>
           </p:cNvSpPr>
           <p:nvPr>
-            <p:ph idx="1"/>
+            <p:ph sz="half" idx="1"/>
           </p:nvPr>
         </p:nvSpPr>
         <p:spPr>
           <a:xfrm>
-            <a:off x="1295402" y="1986116"/>
-            <a:ext cx="10060855" cy="3889752"/>
+            <a:off x="1377696" y="1724577"/>
+            <a:ext cx="4718304" cy="4273099"/>
           </a:xfrm>
         </p:spPr>
         <p:txBody>
@@ -6014,14 +6733,12 @@
           <a:lstStyle/>
           <a:p>
             <a:r>
-              <a:rPr lang="it-IT" b="1" dirty="0"/>
-              <a:t>Ce fel de carte ai vrea să citești pentru a te distra</a:t>
-            </a:r>
-            <a:r>
-              <a:rPr lang="it-IT" b="1" dirty="0" smtClean="0"/>
-              <a:t>?</a:t>
-            </a:r>
-            <a:endParaRPr lang="ro-RO" b="1" dirty="0" smtClean="0"/>
+              <a:rPr lang="ro-RO" b="1" dirty="0">
+                <a:latin typeface="Arial" panose="020B0604020202020204" pitchFamily="34" charset="0"/>
+                <a:cs typeface="Arial" panose="020B0604020202020204" pitchFamily="34" charset="0"/>
+              </a:rPr>
+              <a:t>Ce fel de carte ai vrea să citești pentru a te distra?</a:t>
+            </a:r>
           </a:p>
           <a:p>
             <a:pPr>
@@ -6029,12 +6746,11 @@
               <a:buChar char="o"/>
             </a:pPr>
             <a:r>
-              <a:rPr lang="ro-RO" dirty="0"/>
-              <a:t>o</a:t>
-            </a:r>
-            <a:r>
-              <a:rPr lang="ro-RO" dirty="0" smtClean="0"/>
-              <a:t> carte care conține multe poze </a:t>
+              <a:rPr lang="ro-RO" dirty="0">
+                <a:latin typeface="Arial" panose="020B0604020202020204" pitchFamily="34" charset="0"/>
+                <a:cs typeface="Arial" panose="020B0604020202020204" pitchFamily="34" charset="0"/>
+              </a:rPr>
+              <a:t>o carte care conține multe poze </a:t>
             </a:r>
           </a:p>
           <a:p>
@@ -6043,7 +6759,10 @@
               <a:buChar char="o"/>
             </a:pPr>
             <a:r>
-              <a:rPr lang="ro-RO" dirty="0" smtClean="0"/>
+              <a:rPr lang="ro-RO" dirty="0">
+                <a:latin typeface="Arial" panose="020B0604020202020204" pitchFamily="34" charset="0"/>
+                <a:cs typeface="Arial" panose="020B0604020202020204" pitchFamily="34" charset="0"/>
+              </a:rPr>
               <a:t>o carte care conține multe cuvinte</a:t>
             </a:r>
           </a:p>
@@ -6053,42 +6772,49 @@
               <a:buChar char="o"/>
             </a:pPr>
             <a:r>
-              <a:rPr lang="ro-RO" dirty="0"/>
-              <a:t>O carte cu căutări de cuvinte sau cuvinte </a:t>
-            </a:r>
-            <a:r>
-              <a:rPr lang="ro-RO" dirty="0" smtClean="0"/>
-              <a:t>încrucișate</a:t>
-            </a:r>
-          </a:p>
-          <a:p>
-            <a:pPr>
-              <a:buFont typeface="Arial" panose="020B0604020202020204" pitchFamily="34" charset="0"/>
-              <a:buChar char="•"/>
+              <a:rPr lang="ro-RO" dirty="0">
+                <a:latin typeface="Arial" panose="020B0604020202020204" pitchFamily="34" charset="0"/>
+                <a:cs typeface="Arial" panose="020B0604020202020204" pitchFamily="34" charset="0"/>
+              </a:rPr>
+              <a:t>O carte cu căutări de cuvinte sau cuvinte încrucișate</a:t>
+            </a:r>
+          </a:p>
+          <a:p>
+            <a:pPr marL="0" indent="0">
+              <a:buNone/>
             </a:pPr>
-            <a:r>
-              <a:rPr lang="ro-RO" b="1" dirty="0"/>
-              <a:t>Când nu </a:t>
-            </a:r>
-            <a:r>
-              <a:rPr lang="ro-RO" b="1" dirty="0" smtClean="0"/>
-              <a:t>ești </a:t>
-            </a:r>
-            <a:r>
-              <a:rPr lang="ro-RO" b="1" dirty="0"/>
-              <a:t>sigur cum să </a:t>
-            </a:r>
-            <a:r>
-              <a:rPr lang="ro-RO" b="1" dirty="0" smtClean="0"/>
-              <a:t>despatți corect </a:t>
-            </a:r>
-            <a:r>
-              <a:rPr lang="ro-RO" b="1" dirty="0"/>
-              <a:t>un cuvânt, ce este cel mai probabil să </a:t>
-            </a:r>
-            <a:r>
-              <a:rPr lang="ro-RO" b="1" dirty="0" smtClean="0"/>
-              <a:t>faci?</a:t>
+            <a:endParaRPr lang="ro-RO" dirty="0"/>
+          </a:p>
+        </p:txBody>
+      </p:sp>
+      <p:sp>
+        <p:nvSpPr>
+          <p:cNvPr id="4" name="Content Placeholder 3"/>
+          <p:cNvSpPr>
+            <a:spLocks noGrp="1"/>
+          </p:cNvSpPr>
+          <p:nvPr>
+            <p:ph sz="half" idx="2"/>
+          </p:nvPr>
+        </p:nvSpPr>
+        <p:spPr>
+          <a:xfrm>
+            <a:off x="6178294" y="1419778"/>
+            <a:ext cx="4718304" cy="3310128"/>
+          </a:xfrm>
+        </p:spPr>
+        <p:txBody>
+          <a:bodyPr>
+            <a:normAutofit fontScale="92500" lnSpcReduction="10000"/>
+          </a:bodyPr>
+          <a:lstStyle/>
+          <a:p>
+            <a:r>
+              <a:rPr lang="ro-RO" b="1" dirty="0">
+                <a:latin typeface="Arial" panose="020B0604020202020204" pitchFamily="34" charset="0"/>
+                <a:cs typeface="Arial" panose="020B0604020202020204" pitchFamily="34" charset="0"/>
+              </a:rPr>
+              <a:t>Când nu ești sigur cum să despatți corect un cuvânt, ce este cel mai probabil să faci?</a:t>
             </a:r>
           </a:p>
           <a:p>
@@ -6097,16 +6823,11 @@
               <a:buChar char="o"/>
             </a:pPr>
             <a:r>
-              <a:rPr lang="ro-RO" dirty="0" smtClean="0"/>
-              <a:t>Îl notezi </a:t>
-            </a:r>
-            <a:r>
-              <a:rPr lang="ro-RO" dirty="0"/>
-              <a:t>pentru a vedea dacă arată </a:t>
-            </a:r>
-            <a:r>
-              <a:rPr lang="ro-RO" dirty="0" smtClean="0"/>
-              <a:t>corect</a:t>
+              <a:rPr lang="ro-RO" dirty="0">
+                <a:latin typeface="Arial" panose="020B0604020202020204" pitchFamily="34" charset="0"/>
+                <a:cs typeface="Arial" panose="020B0604020202020204" pitchFamily="34" charset="0"/>
+              </a:rPr>
+              <a:t>Îl notezi pentru a vedea dacă arată corect</a:t>
             </a:r>
           </a:p>
           <a:p>
@@ -6115,22 +6836,12 @@
               <a:buChar char="o"/>
             </a:pPr>
             <a:r>
-              <a:rPr lang="ro-RO" dirty="0" smtClean="0"/>
-              <a:t>Îl spui</a:t>
-            </a:r>
-            <a:r>
-              <a:rPr lang="it-IT" dirty="0" smtClean="0"/>
-              <a:t> </a:t>
-            </a:r>
-            <a:r>
-              <a:rPr lang="it-IT" dirty="0"/>
-              <a:t>cu voce tare pentru a vedea dacă sună </a:t>
-            </a:r>
-            <a:r>
-              <a:rPr lang="it-IT" dirty="0" smtClean="0"/>
-              <a:t>corect</a:t>
-            </a:r>
-            <a:endParaRPr lang="ro-RO" dirty="0" smtClean="0"/>
+              <a:rPr lang="ro-RO" dirty="0">
+                <a:latin typeface="Arial" panose="020B0604020202020204" pitchFamily="34" charset="0"/>
+                <a:cs typeface="Arial" panose="020B0604020202020204" pitchFamily="34" charset="0"/>
+              </a:rPr>
+              <a:t>Îl spui cu voce tare pentru a vedea dacă sună corect</a:t>
+            </a:r>
           </a:p>
           <a:p>
             <a:pPr>
@@ -6138,33 +6849,32 @@
               <a:buChar char="o"/>
             </a:pPr>
             <a:r>
-              <a:rPr lang="ro-RO" dirty="0" smtClean="0"/>
-              <a:t>Urmărești </a:t>
-            </a:r>
-            <a:r>
-              <a:rPr lang="ro-RO" dirty="0"/>
-              <a:t>literele în aer (ortografie cu degetul)</a:t>
-            </a:r>
-          </a:p>
-          <a:p>
-            <a:pPr>
-              <a:buFont typeface="Courier New" panose="02070309020205020404" pitchFamily="49" charset="0"/>
-              <a:buChar char="o"/>
-            </a:pPr>
-            <a:endParaRPr lang="ro-RO" dirty="0"/>
+              <a:rPr lang="ro-RO" dirty="0">
+                <a:latin typeface="Arial" panose="020B0604020202020204" pitchFamily="34" charset="0"/>
+                <a:cs typeface="Arial" panose="020B0604020202020204" pitchFamily="34" charset="0"/>
+              </a:rPr>
+              <a:t>Urmărești literele în aer (ortografie cu degetul)</a:t>
+            </a:r>
           </a:p>
         </p:txBody>
       </p:sp>
     </p:spTree>
     <p:extLst>
       <p:ext uri="{BB962C8B-B14F-4D97-AF65-F5344CB8AC3E}">
-        <p14:creationId xmlns:p14="http://schemas.microsoft.com/office/powerpoint/2010/main" val="2180797053"/>
+        <p14:creationId xmlns:p14="http://schemas.microsoft.com/office/powerpoint/2010/main" val="3438365231"/>
       </p:ext>
     </p:extLst>
   </p:cSld>
   <p:clrMapOvr>
     <a:masterClrMapping/>
   </p:clrMapOvr>
+  <p:timing>
+    <p:tnLst>
+      <p:par>
+        <p:cTn id="1" dur="indefinite" restart="never" nodeType="tmRoot"/>
+      </p:par>
+    </p:tnLst>
+  </p:timing>
 </p:sld>
 </file>
 
@@ -6195,12 +6905,19 @@
             <p:ph type="title"/>
           </p:nvPr>
         </p:nvSpPr>
-        <p:spPr/>
-        <p:txBody>
-          <a:bodyPr/>
-          <a:lstStyle/>
-          <a:p>
-            <a:endParaRPr lang="ro-RO"/>
+        <p:spPr>
+          <a:xfrm>
+            <a:off x="1295402" y="982132"/>
+            <a:ext cx="9601196" cy="138745"/>
+          </a:xfrm>
+        </p:spPr>
+        <p:txBody>
+          <a:bodyPr>
+            <a:normAutofit fontScale="90000"/>
+          </a:bodyPr>
+          <a:lstStyle/>
+          <a:p>
+            <a:endParaRPr lang="ro-RO" dirty="0"/>
           </a:p>
         </p:txBody>
       </p:sp>
@@ -6214,42 +6931,71 @@
             <p:ph sz="half" idx="1"/>
           </p:nvPr>
         </p:nvSpPr>
-        <p:spPr/>
+        <p:spPr>
+          <a:xfrm>
+            <a:off x="1377696" y="1695081"/>
+            <a:ext cx="4718304" cy="3310128"/>
+          </a:xfrm>
+        </p:spPr>
         <p:txBody>
           <a:bodyPr>
-            <a:normAutofit fontScale="92500"/>
+            <a:normAutofit lnSpcReduction="10000"/>
           </a:bodyPr>
           <a:lstStyle/>
           <a:p>
             <a:r>
-              <a:rPr lang="fr-FR" b="1" dirty="0"/>
+              <a:rPr lang="fr-FR" b="1" dirty="0">
+                <a:latin typeface="Arial" panose="020B0604020202020204" pitchFamily="34" charset="0"/>
+                <a:cs typeface="Arial" panose="020B0604020202020204" pitchFamily="34" charset="0"/>
+              </a:rPr>
               <a:t>Ce </a:t>
             </a:r>
             <a:r>
-              <a:rPr lang="fr-FR" b="1" dirty="0" err="1"/>
+              <a:rPr lang="fr-FR" b="1" dirty="0" err="1">
+                <a:latin typeface="Arial" panose="020B0604020202020204" pitchFamily="34" charset="0"/>
+                <a:cs typeface="Arial" panose="020B0604020202020204" pitchFamily="34" charset="0"/>
+              </a:rPr>
               <a:t>iti</a:t>
             </a:r>
             <a:r>
-              <a:rPr lang="fr-FR" b="1" dirty="0"/>
+              <a:rPr lang="fr-FR" b="1" dirty="0">
+                <a:latin typeface="Arial" panose="020B0604020202020204" pitchFamily="34" charset="0"/>
+                <a:cs typeface="Arial" panose="020B0604020202020204" pitchFamily="34" charset="0"/>
+              </a:rPr>
               <a:t> place sa </a:t>
             </a:r>
             <a:r>
-              <a:rPr lang="fr-FR" b="1" dirty="0" err="1"/>
+              <a:rPr lang="fr-FR" b="1" dirty="0" err="1">
+                <a:latin typeface="Arial" panose="020B0604020202020204" pitchFamily="34" charset="0"/>
+                <a:cs typeface="Arial" panose="020B0604020202020204" pitchFamily="34" charset="0"/>
+              </a:rPr>
               <a:t>faci</a:t>
             </a:r>
             <a:r>
-              <a:rPr lang="fr-FR" b="1" dirty="0"/>
+              <a:rPr lang="fr-FR" b="1" dirty="0">
+                <a:latin typeface="Arial" panose="020B0604020202020204" pitchFamily="34" charset="0"/>
+                <a:cs typeface="Arial" panose="020B0604020202020204" pitchFamily="34" charset="0"/>
+              </a:rPr>
               <a:t> </a:t>
             </a:r>
             <a:r>
-              <a:rPr lang="fr-FR" b="1" dirty="0" err="1"/>
+              <a:rPr lang="fr-FR" b="1" dirty="0" err="1">
+                <a:latin typeface="Arial" panose="020B0604020202020204" pitchFamily="34" charset="0"/>
+                <a:cs typeface="Arial" panose="020B0604020202020204" pitchFamily="34" charset="0"/>
+              </a:rPr>
               <a:t>pentru</a:t>
             </a:r>
             <a:r>
-              <a:rPr lang="fr-FR" b="1" dirty="0"/>
+              <a:rPr lang="fr-FR" b="1" dirty="0">
+                <a:latin typeface="Arial" panose="020B0604020202020204" pitchFamily="34" charset="0"/>
+                <a:cs typeface="Arial" panose="020B0604020202020204" pitchFamily="34" charset="0"/>
+              </a:rPr>
               <a:t> a te relaxa?</a:t>
             </a:r>
-            <a:endParaRPr lang="ro-RO" b="1" dirty="0" smtClean="0"/>
+            <a:endParaRPr lang="ro-RO" b="1" dirty="0" smtClean="0">
+              <a:latin typeface="Arial" panose="020B0604020202020204" pitchFamily="34" charset="0"/>
+              <a:cs typeface="Arial" panose="020B0604020202020204" pitchFamily="34" charset="0"/>
+            </a:endParaRPr>
           </a:p>
           <a:p>
             <a:pPr>
@@ -6257,7 +7003,10 @@
               <a:buChar char="o"/>
             </a:pPr>
             <a:r>
-              <a:rPr lang="ro-RO" dirty="0" smtClean="0"/>
+              <a:rPr lang="ro-RO" dirty="0" smtClean="0">
+                <a:latin typeface="Arial" panose="020B0604020202020204" pitchFamily="34" charset="0"/>
+                <a:cs typeface="Arial" panose="020B0604020202020204" pitchFamily="34" charset="0"/>
+              </a:rPr>
               <a:t>Citești </a:t>
             </a:r>
           </a:p>
@@ -6267,7 +7016,10 @@
               <a:buChar char="o"/>
             </a:pPr>
             <a:r>
-              <a:rPr lang="ro-RO" dirty="0" smtClean="0"/>
+              <a:rPr lang="ro-RO" dirty="0" smtClean="0">
+                <a:latin typeface="Arial" panose="020B0604020202020204" pitchFamily="34" charset="0"/>
+                <a:cs typeface="Arial" panose="020B0604020202020204" pitchFamily="34" charset="0"/>
+              </a:rPr>
               <a:t>Asculți muzică</a:t>
             </a:r>
           </a:p>
@@ -6277,7 +7029,10 @@
               <a:buChar char="o"/>
             </a:pPr>
             <a:r>
-              <a:rPr lang="ro-RO" dirty="0" smtClean="0"/>
+              <a:rPr lang="ro-RO" dirty="0" smtClean="0">
+                <a:latin typeface="Arial" panose="020B0604020202020204" pitchFamily="34" charset="0"/>
+                <a:cs typeface="Arial" panose="020B0604020202020204" pitchFamily="34" charset="0"/>
+              </a:rPr>
               <a:t>Practici un sport</a:t>
             </a:r>
           </a:p>
@@ -6293,22 +7048,36 @@
             <p:ph sz="half" idx="2"/>
           </p:nvPr>
         </p:nvSpPr>
-        <p:spPr/>
+        <p:spPr>
+          <a:xfrm>
+            <a:off x="6260002" y="1376516"/>
+            <a:ext cx="4718304" cy="4493932"/>
+          </a:xfrm>
+        </p:spPr>
         <p:txBody>
           <a:bodyPr>
-            <a:normAutofit fontScale="92500"/>
+            <a:normAutofit lnSpcReduction="10000"/>
           </a:bodyPr>
           <a:lstStyle/>
           <a:p>
             <a:r>
-              <a:rPr lang="it-IT" b="1" dirty="0"/>
+              <a:rPr lang="it-IT" b="1" dirty="0">
+                <a:latin typeface="Arial" panose="020B0604020202020204" pitchFamily="34" charset="0"/>
+                <a:cs typeface="Arial" panose="020B0604020202020204" pitchFamily="34" charset="0"/>
+              </a:rPr>
               <a:t>Care este cel mai bun mod pentru tine de a studia pentru un test</a:t>
             </a:r>
             <a:r>
-              <a:rPr lang="it-IT" b="1" dirty="0" smtClean="0"/>
+              <a:rPr lang="it-IT" b="1" dirty="0" smtClean="0">
+                <a:latin typeface="Arial" panose="020B0604020202020204" pitchFamily="34" charset="0"/>
+                <a:cs typeface="Arial" panose="020B0604020202020204" pitchFamily="34" charset="0"/>
+              </a:rPr>
               <a:t>?</a:t>
             </a:r>
-            <a:endParaRPr lang="ro-RO" b="1" dirty="0" smtClean="0"/>
+            <a:endParaRPr lang="ro-RO" b="1" dirty="0" smtClean="0">
+              <a:latin typeface="Arial" panose="020B0604020202020204" pitchFamily="34" charset="0"/>
+              <a:cs typeface="Arial" panose="020B0604020202020204" pitchFamily="34" charset="0"/>
+            </a:endParaRPr>
           </a:p>
           <a:p>
             <a:pPr>
@@ -6316,23 +7085,38 @@
               <a:buChar char="o"/>
             </a:pPr>
             <a:r>
-              <a:rPr lang="ro-RO" dirty="0" smtClean="0"/>
+              <a:rPr lang="ro-RO" dirty="0" smtClean="0">
+                <a:latin typeface="Arial" panose="020B0604020202020204" pitchFamily="34" charset="0"/>
+                <a:cs typeface="Arial" panose="020B0604020202020204" pitchFamily="34" charset="0"/>
+              </a:rPr>
               <a:t>Citești </a:t>
             </a:r>
             <a:r>
-              <a:rPr lang="ro-RO" dirty="0"/>
+              <a:rPr lang="ro-RO" dirty="0">
+                <a:latin typeface="Arial" panose="020B0604020202020204" pitchFamily="34" charset="0"/>
+                <a:cs typeface="Arial" panose="020B0604020202020204" pitchFamily="34" charset="0"/>
+              </a:rPr>
               <a:t>cartea sau notele și </a:t>
             </a:r>
             <a:r>
-              <a:rPr lang="ro-RO" dirty="0" smtClean="0"/>
+              <a:rPr lang="ro-RO" dirty="0" smtClean="0">
+                <a:latin typeface="Arial" panose="020B0604020202020204" pitchFamily="34" charset="0"/>
+                <a:cs typeface="Arial" panose="020B0604020202020204" pitchFamily="34" charset="0"/>
+              </a:rPr>
               <a:t>revizuiești </a:t>
             </a:r>
             <a:r>
-              <a:rPr lang="ro-RO" dirty="0"/>
+              <a:rPr lang="ro-RO" dirty="0">
+                <a:latin typeface="Arial" panose="020B0604020202020204" pitchFamily="34" charset="0"/>
+                <a:cs typeface="Arial" panose="020B0604020202020204" pitchFamily="34" charset="0"/>
+              </a:rPr>
               <a:t>imagini sau </a:t>
             </a:r>
             <a:r>
-              <a:rPr lang="ro-RO" dirty="0" smtClean="0"/>
+              <a:rPr lang="ro-RO" dirty="0" smtClean="0">
+                <a:latin typeface="Arial" panose="020B0604020202020204" pitchFamily="34" charset="0"/>
+                <a:cs typeface="Arial" panose="020B0604020202020204" pitchFamily="34" charset="0"/>
+              </a:rPr>
               <a:t>diagrame</a:t>
             </a:r>
           </a:p>
@@ -6342,15 +7126,24 @@
               <a:buChar char="o"/>
             </a:pPr>
             <a:r>
-              <a:rPr lang="ro-RO" dirty="0" smtClean="0"/>
+              <a:rPr lang="ro-RO" dirty="0" smtClean="0">
+                <a:latin typeface="Arial" panose="020B0604020202020204" pitchFamily="34" charset="0"/>
+                <a:cs typeface="Arial" panose="020B0604020202020204" pitchFamily="34" charset="0"/>
+              </a:rPr>
               <a:t>ceri </a:t>
             </a:r>
             <a:r>
-              <a:rPr lang="ro-RO" dirty="0"/>
+              <a:rPr lang="ro-RO" dirty="0">
+                <a:latin typeface="Arial" panose="020B0604020202020204" pitchFamily="34" charset="0"/>
+                <a:cs typeface="Arial" panose="020B0604020202020204" pitchFamily="34" charset="0"/>
+              </a:rPr>
               <a:t>pe cineva să-ți pună întrebări la care poți răspunde cu voce </a:t>
             </a:r>
             <a:r>
-              <a:rPr lang="ro-RO" dirty="0" smtClean="0"/>
+              <a:rPr lang="ro-RO" dirty="0" smtClean="0">
+                <a:latin typeface="Arial" panose="020B0604020202020204" pitchFamily="34" charset="0"/>
+                <a:cs typeface="Arial" panose="020B0604020202020204" pitchFamily="34" charset="0"/>
+              </a:rPr>
               <a:t>tare</a:t>
             </a:r>
           </a:p>
@@ -6360,11 +7153,17 @@
               <a:buChar char="o"/>
             </a:pPr>
             <a:r>
-              <a:rPr lang="ro-RO" dirty="0" smtClean="0"/>
+              <a:rPr lang="ro-RO" dirty="0" smtClean="0">
+                <a:latin typeface="Arial" panose="020B0604020202020204" pitchFamily="34" charset="0"/>
+                <a:cs typeface="Arial" panose="020B0604020202020204" pitchFamily="34" charset="0"/>
+              </a:rPr>
               <a:t>Îți alcătuiești fișe </a:t>
             </a:r>
             <a:r>
-              <a:rPr lang="ro-RO" dirty="0"/>
+              <a:rPr lang="ro-RO" dirty="0">
+                <a:latin typeface="Arial" panose="020B0604020202020204" pitchFamily="34" charset="0"/>
+                <a:cs typeface="Arial" panose="020B0604020202020204" pitchFamily="34" charset="0"/>
+              </a:rPr>
               <a:t>pe care să le poți revizui</a:t>
             </a:r>
           </a:p>
@@ -6417,12 +7216,19 @@
             <p:ph type="title"/>
           </p:nvPr>
         </p:nvSpPr>
-        <p:spPr/>
-        <p:txBody>
-          <a:bodyPr/>
-          <a:lstStyle/>
-          <a:p>
-            <a:endParaRPr lang="ro-RO"/>
+        <p:spPr>
+          <a:xfrm>
+            <a:off x="1295402" y="982132"/>
+            <a:ext cx="9601196" cy="45719"/>
+          </a:xfrm>
+        </p:spPr>
+        <p:txBody>
+          <a:bodyPr>
+            <a:normAutofit fontScale="90000"/>
+          </a:bodyPr>
+          <a:lstStyle/>
+          <a:p>
+            <a:endParaRPr lang="ro-RO" dirty="0"/>
           </a:p>
         </p:txBody>
       </p:sp>
@@ -6436,19 +7242,30 @@
             <p:ph sz="half" idx="1"/>
           </p:nvPr>
         </p:nvSpPr>
-        <p:spPr/>
+        <p:spPr>
+          <a:xfrm>
+            <a:off x="1377696" y="1027851"/>
+            <a:ext cx="4718304" cy="3310128"/>
+          </a:xfrm>
+        </p:spPr>
         <p:txBody>
           <a:bodyPr>
-            <a:normAutofit lnSpcReduction="10000"/>
+            <a:normAutofit fontScale="92500"/>
           </a:bodyPr>
           <a:lstStyle/>
           <a:p>
             <a:r>
-              <a:rPr lang="ro-RO" b="1" dirty="0"/>
+              <a:rPr lang="ro-RO" b="1" dirty="0">
+                <a:latin typeface="Arial" panose="020B0604020202020204" pitchFamily="34" charset="0"/>
+                <a:cs typeface="Arial" panose="020B0604020202020204" pitchFamily="34" charset="0"/>
+              </a:rPr>
               <a:t>Care este cea mai bună modalitate de a afla cum funcționează ceva (cum ar fi un computer sau un joc video</a:t>
             </a:r>
             <a:r>
-              <a:rPr lang="ro-RO" b="1" dirty="0" smtClean="0"/>
+              <a:rPr lang="ro-RO" b="1" dirty="0" smtClean="0">
+                <a:latin typeface="Arial" panose="020B0604020202020204" pitchFamily="34" charset="0"/>
+                <a:cs typeface="Arial" panose="020B0604020202020204" pitchFamily="34" charset="0"/>
+              </a:rPr>
               <a:t>)?</a:t>
             </a:r>
           </a:p>
@@ -6458,7 +7275,10 @@
               <a:buChar char="o"/>
             </a:pPr>
             <a:r>
-              <a:rPr lang="ro-RO" dirty="0" smtClean="0"/>
+              <a:rPr lang="ro-RO" dirty="0" smtClean="0">
+                <a:latin typeface="Arial" panose="020B0604020202020204" pitchFamily="34" charset="0"/>
+                <a:cs typeface="Arial" panose="020B0604020202020204" pitchFamily="34" charset="0"/>
+              </a:rPr>
               <a:t>Rogi pe cineva să îți arate</a:t>
             </a:r>
           </a:p>
@@ -6468,34 +7288,58 @@
               <a:buChar char="o"/>
             </a:pPr>
             <a:r>
-              <a:rPr lang="pt-BR" dirty="0" smtClean="0"/>
+              <a:rPr lang="pt-BR" dirty="0" smtClean="0">
+                <a:latin typeface="Arial" panose="020B0604020202020204" pitchFamily="34" charset="0"/>
+                <a:cs typeface="Arial" panose="020B0604020202020204" pitchFamily="34" charset="0"/>
+              </a:rPr>
               <a:t>Cit</a:t>
             </a:r>
             <a:r>
-              <a:rPr lang="ro-RO" dirty="0" smtClean="0"/>
+              <a:rPr lang="ro-RO" dirty="0" smtClean="0">
+                <a:latin typeface="Arial" panose="020B0604020202020204" pitchFamily="34" charset="0"/>
+                <a:cs typeface="Arial" panose="020B0604020202020204" pitchFamily="34" charset="0"/>
+              </a:rPr>
               <a:t>ești</a:t>
             </a:r>
             <a:r>
-              <a:rPr lang="pt-BR" dirty="0" smtClean="0"/>
+              <a:rPr lang="pt-BR" dirty="0" smtClean="0">
+                <a:latin typeface="Arial" panose="020B0604020202020204" pitchFamily="34" charset="0"/>
+                <a:cs typeface="Arial" panose="020B0604020202020204" pitchFamily="34" charset="0"/>
+              </a:rPr>
               <a:t> </a:t>
             </a:r>
             <a:r>
-              <a:rPr lang="pt-BR" dirty="0"/>
+              <a:rPr lang="pt-BR" dirty="0">
+                <a:latin typeface="Arial" panose="020B0604020202020204" pitchFamily="34" charset="0"/>
+                <a:cs typeface="Arial" panose="020B0604020202020204" pitchFamily="34" charset="0"/>
+              </a:rPr>
               <a:t>despre asta sau </a:t>
             </a:r>
             <a:r>
-              <a:rPr lang="pt-BR" dirty="0" smtClean="0"/>
+              <a:rPr lang="pt-BR" dirty="0" smtClean="0">
+                <a:latin typeface="Arial" panose="020B0604020202020204" pitchFamily="34" charset="0"/>
+                <a:cs typeface="Arial" panose="020B0604020202020204" pitchFamily="34" charset="0"/>
+              </a:rPr>
               <a:t>asculți </a:t>
             </a:r>
             <a:r>
-              <a:rPr lang="pt-BR" dirty="0"/>
+              <a:rPr lang="pt-BR" dirty="0">
+                <a:latin typeface="Arial" panose="020B0604020202020204" pitchFamily="34" charset="0"/>
+                <a:cs typeface="Arial" panose="020B0604020202020204" pitchFamily="34" charset="0"/>
+              </a:rPr>
               <a:t>pe cineva care </a:t>
             </a:r>
             <a:r>
-              <a:rPr lang="pt-BR" dirty="0" smtClean="0"/>
+              <a:rPr lang="pt-BR" dirty="0" smtClean="0">
+                <a:latin typeface="Arial" panose="020B0604020202020204" pitchFamily="34" charset="0"/>
+                <a:cs typeface="Arial" panose="020B0604020202020204" pitchFamily="34" charset="0"/>
+              </a:rPr>
               <a:t>explică</a:t>
             </a:r>
-            <a:endParaRPr lang="ro-RO" dirty="0" smtClean="0"/>
+            <a:endParaRPr lang="ro-RO" dirty="0" smtClean="0">
+              <a:latin typeface="Arial" panose="020B0604020202020204" pitchFamily="34" charset="0"/>
+              <a:cs typeface="Arial" panose="020B0604020202020204" pitchFamily="34" charset="0"/>
+            </a:endParaRPr>
           </a:p>
           <a:p>
             <a:pPr>
@@ -6503,10 +7347,16 @@
               <a:buChar char="o"/>
             </a:pPr>
             <a:r>
-              <a:rPr lang="ro-RO" dirty="0" smtClean="0"/>
+              <a:rPr lang="ro-RO" dirty="0" smtClean="0">
+                <a:latin typeface="Arial" panose="020B0604020202020204" pitchFamily="34" charset="0"/>
+                <a:cs typeface="Arial" panose="020B0604020202020204" pitchFamily="34" charset="0"/>
+              </a:rPr>
               <a:t>Îl descoperi de unul singur</a:t>
             </a:r>
-            <a:endParaRPr lang="ro-RO" dirty="0"/>
+            <a:endParaRPr lang="ro-RO" dirty="0">
+              <a:latin typeface="Arial" panose="020B0604020202020204" pitchFamily="34" charset="0"/>
+              <a:cs typeface="Arial" panose="020B0604020202020204" pitchFamily="34" charset="0"/>
+            </a:endParaRPr>
           </a:p>
         </p:txBody>
       </p:sp>
@@ -6520,35 +7370,58 @@
             <p:ph sz="half" idx="2"/>
           </p:nvPr>
         </p:nvSpPr>
-        <p:spPr/>
+        <p:spPr>
+          <a:xfrm>
+            <a:off x="6178294" y="1370617"/>
+            <a:ext cx="4718304" cy="3310128"/>
+          </a:xfrm>
+        </p:spPr>
         <p:txBody>
           <a:bodyPr>
-            <a:normAutofit lnSpcReduction="10000"/>
+            <a:normAutofit fontScale="92500"/>
           </a:bodyPr>
           <a:lstStyle/>
           <a:p>
             <a:r>
-              <a:rPr lang="ro-RO" b="1" dirty="0"/>
+              <a:rPr lang="ro-RO" b="1" dirty="0">
+                <a:latin typeface="Arial" panose="020B0604020202020204" pitchFamily="34" charset="0"/>
+                <a:cs typeface="Arial" panose="020B0604020202020204" pitchFamily="34" charset="0"/>
+              </a:rPr>
               <a:t>Ce vi se pare </a:t>
             </a:r>
             <a:r>
-              <a:rPr lang="ro-RO" b="1" dirty="0" smtClean="0"/>
+              <a:rPr lang="ro-RO" b="1" dirty="0" smtClean="0">
+                <a:latin typeface="Arial" panose="020B0604020202020204" pitchFamily="34" charset="0"/>
+                <a:cs typeface="Arial" panose="020B0604020202020204" pitchFamily="34" charset="0"/>
+              </a:rPr>
               <a:t>că vă distrage cel </a:t>
             </a:r>
             <a:r>
-              <a:rPr lang="ro-RO" b="1" dirty="0"/>
+              <a:rPr lang="ro-RO" b="1" dirty="0">
+                <a:latin typeface="Arial" panose="020B0604020202020204" pitchFamily="34" charset="0"/>
+                <a:cs typeface="Arial" panose="020B0604020202020204" pitchFamily="34" charset="0"/>
+              </a:rPr>
               <a:t>mai </a:t>
             </a:r>
             <a:r>
-              <a:rPr lang="ro-RO" b="1" dirty="0" smtClean="0"/>
+              <a:rPr lang="ro-RO" b="1" dirty="0" smtClean="0">
+                <a:latin typeface="Arial" panose="020B0604020202020204" pitchFamily="34" charset="0"/>
+                <a:cs typeface="Arial" panose="020B0604020202020204" pitchFamily="34" charset="0"/>
+              </a:rPr>
               <a:t>mult atenția </a:t>
             </a:r>
             <a:r>
-              <a:rPr lang="ro-RO" b="1" dirty="0"/>
+              <a:rPr lang="ro-RO" b="1" dirty="0">
+                <a:latin typeface="Arial" panose="020B0604020202020204" pitchFamily="34" charset="0"/>
+                <a:cs typeface="Arial" panose="020B0604020202020204" pitchFamily="34" charset="0"/>
+              </a:rPr>
               <a:t>când încercați să studiați</a:t>
             </a:r>
             <a:r>
-              <a:rPr lang="ro-RO" b="1" dirty="0" smtClean="0"/>
+              <a:rPr lang="ro-RO" b="1" dirty="0" smtClean="0">
+                <a:latin typeface="Arial" panose="020B0604020202020204" pitchFamily="34" charset="0"/>
+                <a:cs typeface="Arial" panose="020B0604020202020204" pitchFamily="34" charset="0"/>
+              </a:rPr>
               <a:t>?</a:t>
             </a:r>
           </a:p>
@@ -6558,7 +7431,10 @@
               <a:buChar char="o"/>
             </a:pPr>
             <a:r>
-              <a:rPr lang="ro-RO" dirty="0" smtClean="0"/>
+              <a:rPr lang="ro-RO" dirty="0" smtClean="0">
+                <a:latin typeface="Arial" panose="020B0604020202020204" pitchFamily="34" charset="0"/>
+                <a:cs typeface="Arial" panose="020B0604020202020204" pitchFamily="34" charset="0"/>
+              </a:rPr>
               <a:t>Oameni care trec pe lângă tine</a:t>
             </a:r>
           </a:p>
@@ -6568,7 +7444,10 @@
               <a:buChar char="o"/>
             </a:pPr>
             <a:r>
-              <a:rPr lang="ro-RO" dirty="0" smtClean="0"/>
+              <a:rPr lang="ro-RO" dirty="0" smtClean="0">
+                <a:latin typeface="Arial" panose="020B0604020202020204" pitchFamily="34" charset="0"/>
+                <a:cs typeface="Arial" panose="020B0604020202020204" pitchFamily="34" charset="0"/>
+              </a:rPr>
               <a:t>Zgomote puternice</a:t>
             </a:r>
           </a:p>
@@ -6578,10 +7457,16 @@
               <a:buChar char="o"/>
             </a:pPr>
             <a:r>
-              <a:rPr lang="ro-RO" dirty="0" smtClean="0"/>
+              <a:rPr lang="ro-RO" dirty="0" smtClean="0">
+                <a:latin typeface="Arial" panose="020B0604020202020204" pitchFamily="34" charset="0"/>
+                <a:cs typeface="Arial" panose="020B0604020202020204" pitchFamily="34" charset="0"/>
+              </a:rPr>
               <a:t>Un scaun inconfortabil</a:t>
             </a:r>
-            <a:endParaRPr lang="ro-RO" dirty="0"/>
+            <a:endParaRPr lang="ro-RO" dirty="0">
+              <a:latin typeface="Arial" panose="020B0604020202020204" pitchFamily="34" charset="0"/>
+              <a:cs typeface="Arial" panose="020B0604020202020204" pitchFamily="34" charset="0"/>
+            </a:endParaRPr>
           </a:p>
         </p:txBody>
       </p:sp>
@@ -6595,6 +7480,13 @@
   <p:clrMapOvr>
     <a:masterClrMapping/>
   </p:clrMapOvr>
+  <p:timing>
+    <p:tnLst>
+      <p:par>
+        <p:cTn id="1" dur="indefinite" restart="never" nodeType="tmRoot"/>
+      </p:par>
+    </p:tnLst>
+  </p:timing>
 </p:sld>
 </file>
 
@@ -6625,51 +7517,81 @@
             <p:ph type="title"/>
           </p:nvPr>
         </p:nvSpPr>
-        <p:spPr/>
+        <p:spPr>
+          <a:xfrm>
+            <a:off x="1295402" y="982133"/>
+            <a:ext cx="9601196" cy="227236"/>
+          </a:xfrm>
+        </p:spPr>
+        <p:txBody>
+          <a:bodyPr>
+            <a:normAutofit fontScale="90000"/>
+          </a:bodyPr>
+          <a:lstStyle/>
+          <a:p>
+            <a:endParaRPr lang="ro-RO" dirty="0"/>
+          </a:p>
+        </p:txBody>
+      </p:sp>
+      <p:sp>
+        <p:nvSpPr>
+          <p:cNvPr id="3" name="Content Placeholder 2"/>
+          <p:cNvSpPr>
+            <a:spLocks noGrp="1"/>
+          </p:cNvSpPr>
+          <p:nvPr>
+            <p:ph sz="half" idx="1"/>
+          </p:nvPr>
+        </p:nvSpPr>
+        <p:spPr>
+          <a:xfrm>
+            <a:off x="1295402" y="1586927"/>
+            <a:ext cx="4718304" cy="3310128"/>
+          </a:xfrm>
+        </p:spPr>
         <p:txBody>
           <a:bodyPr/>
           <a:lstStyle/>
           <a:p>
-            <a:endParaRPr lang="ro-RO"/>
-          </a:p>
-        </p:txBody>
-      </p:sp>
-      <p:sp>
-        <p:nvSpPr>
-          <p:cNvPr id="3" name="Content Placeholder 2"/>
-          <p:cNvSpPr>
-            <a:spLocks noGrp="1"/>
-          </p:cNvSpPr>
-          <p:nvPr>
-            <p:ph sz="half" idx="1"/>
-          </p:nvPr>
-        </p:nvSpPr>
-        <p:spPr/>
-        <p:txBody>
-          <a:bodyPr/>
-          <a:lstStyle/>
-          <a:p>
-            <a:r>
-              <a:rPr lang="it-IT" b="1" dirty="0"/>
+            <a:r>
+              <a:rPr lang="it-IT" b="1" dirty="0">
+                <a:latin typeface="Arial" panose="020B0604020202020204" pitchFamily="34" charset="0"/>
+                <a:cs typeface="Arial" panose="020B0604020202020204" pitchFamily="34" charset="0"/>
+              </a:rPr>
               <a:t>Când ești supărat, ce </a:t>
             </a:r>
             <a:r>
-              <a:rPr lang="ro-RO" b="1" dirty="0" smtClean="0"/>
+              <a:rPr lang="ro-RO" b="1" dirty="0" smtClean="0">
+                <a:latin typeface="Arial" panose="020B0604020202020204" pitchFamily="34" charset="0"/>
+                <a:cs typeface="Arial" panose="020B0604020202020204" pitchFamily="34" charset="0"/>
+              </a:rPr>
               <a:t>vei face</a:t>
             </a:r>
             <a:r>
-              <a:rPr lang="it-IT" b="1" dirty="0" smtClean="0"/>
+              <a:rPr lang="it-IT" b="1" dirty="0" smtClean="0">
+                <a:latin typeface="Arial" panose="020B0604020202020204" pitchFamily="34" charset="0"/>
+                <a:cs typeface="Arial" panose="020B0604020202020204" pitchFamily="34" charset="0"/>
+              </a:rPr>
               <a:t> </a:t>
             </a:r>
             <a:r>
-              <a:rPr lang="it-IT" b="1" dirty="0"/>
+              <a:rPr lang="it-IT" b="1" dirty="0">
+                <a:latin typeface="Arial" panose="020B0604020202020204" pitchFamily="34" charset="0"/>
+                <a:cs typeface="Arial" panose="020B0604020202020204" pitchFamily="34" charset="0"/>
+              </a:rPr>
               <a:t>cel mai probabil </a:t>
             </a:r>
             <a:r>
-              <a:rPr lang="it-IT" b="1" dirty="0" smtClean="0"/>
+              <a:rPr lang="it-IT" b="1" dirty="0" smtClean="0">
+                <a:latin typeface="Arial" panose="020B0604020202020204" pitchFamily="34" charset="0"/>
+                <a:cs typeface="Arial" panose="020B0604020202020204" pitchFamily="34" charset="0"/>
+              </a:rPr>
               <a:t>?</a:t>
             </a:r>
-            <a:endParaRPr lang="ro-RO" b="1" dirty="0" smtClean="0"/>
+            <a:endParaRPr lang="ro-RO" b="1" dirty="0" smtClean="0">
+              <a:latin typeface="Arial" panose="020B0604020202020204" pitchFamily="34" charset="0"/>
+              <a:cs typeface="Arial" panose="020B0604020202020204" pitchFamily="34" charset="0"/>
+            </a:endParaRPr>
           </a:p>
           <a:p>
             <a:pPr>
@@ -6677,7 +7599,10 @@
               <a:buChar char="o"/>
             </a:pPr>
             <a:r>
-              <a:rPr lang="ro-RO" dirty="0" smtClean="0"/>
+              <a:rPr lang="ro-RO" dirty="0" smtClean="0">
+                <a:latin typeface="Arial" panose="020B0604020202020204" pitchFamily="34" charset="0"/>
+                <a:cs typeface="Arial" panose="020B0604020202020204" pitchFamily="34" charset="0"/>
+              </a:rPr>
               <a:t>Faci pe supăratul/-a</a:t>
             </a:r>
           </a:p>
@@ -6687,7 +7612,10 @@
               <a:buChar char="o"/>
             </a:pPr>
             <a:r>
-              <a:rPr lang="ro-RO" dirty="0" smtClean="0"/>
+              <a:rPr lang="ro-RO" dirty="0" smtClean="0">
+                <a:latin typeface="Arial" panose="020B0604020202020204" pitchFamily="34" charset="0"/>
+                <a:cs typeface="Arial" panose="020B0604020202020204" pitchFamily="34" charset="0"/>
+              </a:rPr>
               <a:t>Te agiți și țipi</a:t>
             </a:r>
           </a:p>
@@ -6697,10 +7625,16 @@
               <a:buChar char="o"/>
             </a:pPr>
             <a:r>
-              <a:rPr lang="ro-RO" dirty="0" smtClean="0"/>
+              <a:rPr lang="ro-RO" dirty="0" smtClean="0">
+                <a:latin typeface="Arial" panose="020B0604020202020204" pitchFamily="34" charset="0"/>
+                <a:cs typeface="Arial" panose="020B0604020202020204" pitchFamily="34" charset="0"/>
+              </a:rPr>
               <a:t>Trântești ușile</a:t>
             </a:r>
-            <a:endParaRPr lang="ro-RO" dirty="0"/>
+            <a:endParaRPr lang="ro-RO" dirty="0">
+              <a:latin typeface="Arial" panose="020B0604020202020204" pitchFamily="34" charset="0"/>
+              <a:cs typeface="Arial" panose="020B0604020202020204" pitchFamily="34" charset="0"/>
+            </a:endParaRPr>
           </a:p>
         </p:txBody>
       </p:sp>
@@ -6714,36 +7648,62 @@
             <p:ph sz="half" idx="2"/>
           </p:nvPr>
         </p:nvSpPr>
-        <p:spPr/>
+        <p:spPr>
+          <a:xfrm>
+            <a:off x="6096000" y="1586927"/>
+            <a:ext cx="4718304" cy="3310128"/>
+          </a:xfrm>
+        </p:spPr>
         <p:txBody>
           <a:bodyPr/>
           <a:lstStyle/>
           <a:p>
             <a:r>
-              <a:rPr lang="it-IT" b="1" dirty="0"/>
+              <a:rPr lang="it-IT" b="1" dirty="0">
+                <a:latin typeface="Arial" panose="020B0604020202020204" pitchFamily="34" charset="0"/>
+                <a:cs typeface="Arial" panose="020B0604020202020204" pitchFamily="34" charset="0"/>
+              </a:rPr>
               <a:t>Când ești fericit, </a:t>
             </a:r>
             <a:r>
-              <a:rPr lang="it-IT" b="1" dirty="0" smtClean="0"/>
+              <a:rPr lang="it-IT" b="1" dirty="0" smtClean="0">
+                <a:latin typeface="Arial" panose="020B0604020202020204" pitchFamily="34" charset="0"/>
+                <a:cs typeface="Arial" panose="020B0604020202020204" pitchFamily="34" charset="0"/>
+              </a:rPr>
               <a:t>ce</a:t>
             </a:r>
             <a:r>
-              <a:rPr lang="ro-RO" b="1" dirty="0" smtClean="0"/>
+              <a:rPr lang="ro-RO" b="1" dirty="0" smtClean="0">
+                <a:latin typeface="Arial" panose="020B0604020202020204" pitchFamily="34" charset="0"/>
+                <a:cs typeface="Arial" panose="020B0604020202020204" pitchFamily="34" charset="0"/>
+              </a:rPr>
               <a:t> vei face</a:t>
             </a:r>
             <a:r>
-              <a:rPr lang="it-IT" b="1" dirty="0" smtClean="0"/>
+              <a:rPr lang="it-IT" b="1" dirty="0" smtClean="0">
+                <a:latin typeface="Arial" panose="020B0604020202020204" pitchFamily="34" charset="0"/>
+                <a:cs typeface="Arial" panose="020B0604020202020204" pitchFamily="34" charset="0"/>
+              </a:rPr>
               <a:t> </a:t>
             </a:r>
             <a:r>
-              <a:rPr lang="it-IT" b="1" dirty="0"/>
+              <a:rPr lang="it-IT" b="1" dirty="0">
+                <a:latin typeface="Arial" panose="020B0604020202020204" pitchFamily="34" charset="0"/>
+                <a:cs typeface="Arial" panose="020B0604020202020204" pitchFamily="34" charset="0"/>
+              </a:rPr>
               <a:t>cel mai probabil </a:t>
             </a:r>
             <a:r>
-              <a:rPr lang="it-IT" b="1" dirty="0" smtClean="0"/>
+              <a:rPr lang="it-IT" b="1" dirty="0" smtClean="0">
+                <a:latin typeface="Arial" panose="020B0604020202020204" pitchFamily="34" charset="0"/>
+                <a:cs typeface="Arial" panose="020B0604020202020204" pitchFamily="34" charset="0"/>
+              </a:rPr>
               <a:t>?</a:t>
             </a:r>
-            <a:endParaRPr lang="ro-RO" b="1" dirty="0" smtClean="0"/>
+            <a:endParaRPr lang="ro-RO" b="1" dirty="0" smtClean="0">
+              <a:latin typeface="Arial" panose="020B0604020202020204" pitchFamily="34" charset="0"/>
+              <a:cs typeface="Arial" panose="020B0604020202020204" pitchFamily="34" charset="0"/>
+            </a:endParaRPr>
           </a:p>
           <a:p>
             <a:pPr>
@@ -6751,7 +7711,10 @@
               <a:buChar char="o"/>
             </a:pPr>
             <a:r>
-              <a:rPr lang="ro-RO" dirty="0" smtClean="0"/>
+              <a:rPr lang="ro-RO" dirty="0" smtClean="0">
+                <a:latin typeface="Arial" panose="020B0604020202020204" pitchFamily="34" charset="0"/>
+                <a:cs typeface="Arial" panose="020B0604020202020204" pitchFamily="34" charset="0"/>
+              </a:rPr>
               <a:t>Zâmbești larg</a:t>
             </a:r>
           </a:p>
@@ -6761,25 +7724,19 @@
               <a:buChar char="o"/>
             </a:pPr>
             <a:r>
-              <a:rPr lang="ro-RO" dirty="0"/>
-              <a:t> </a:t>
-            </a:r>
-            <a:r>
-              <a:rPr lang="ro-RO" dirty="0">
-                <a:solidFill>
-                  <a:srgbClr val="FF0000"/>
-                </a:solidFill>
-              </a:rPr>
-              <a:t>Talk up a </a:t>
-            </a:r>
-            <a:r>
               <a:rPr lang="ro-RO" dirty="0" smtClean="0">
-                <a:solidFill>
-                  <a:srgbClr val="FF0000"/>
-                </a:solidFill>
-              </a:rPr>
-              <a:t>storm</a:t>
-            </a:r>
+                <a:latin typeface="Arial" panose="020B0604020202020204" pitchFamily="34" charset="0"/>
+                <a:cs typeface="Arial" panose="020B0604020202020204" pitchFamily="34" charset="0"/>
+              </a:rPr>
+              <a:t>vorbești foarte mult</a:t>
+            </a:r>
+            <a:endParaRPr lang="ro-RO" dirty="0">
+              <a:solidFill>
+                <a:srgbClr val="FF0000"/>
+              </a:solidFill>
+              <a:latin typeface="Arial" panose="020B0604020202020204" pitchFamily="34" charset="0"/>
+              <a:cs typeface="Arial" panose="020B0604020202020204" pitchFamily="34" charset="0"/>
+            </a:endParaRPr>
           </a:p>
           <a:p>
             <a:pPr>
@@ -6787,12 +7744,14 @@
               <a:buChar char="o"/>
             </a:pPr>
             <a:r>
-              <a:rPr lang="ro-RO" dirty="0">
-                <a:solidFill>
-                  <a:srgbClr val="FF0000"/>
-                </a:solidFill>
-              </a:rPr>
-              <a:t>Act really hyper</a:t>
+              <a:rPr lang="ro-RO" dirty="0" smtClean="0">
+                <a:solidFill>
+                  <a:schemeClr val="tx1"/>
+                </a:solidFill>
+                <a:latin typeface="Arial" panose="020B0604020202020204" pitchFamily="34" charset="0"/>
+                <a:cs typeface="Arial" panose="020B0604020202020204" pitchFamily="34" charset="0"/>
+              </a:rPr>
+              <a:t>Ești hiperactiv</a:t>
             </a:r>
           </a:p>
         </p:txBody>
@@ -6807,6 +7766,13 @@
   <p:clrMapOvr>
     <a:masterClrMapping/>
   </p:clrMapOvr>
+  <p:timing>
+    <p:tnLst>
+      <p:par>
+        <p:cTn id="1" dur="indefinite" restart="never" nodeType="tmRoot"/>
+      </p:par>
+    </p:tnLst>
+  </p:timing>
 </p:sld>
 </file>
 
@@ -6837,52 +7803,82 @@
             <p:ph type="title"/>
           </p:nvPr>
         </p:nvSpPr>
-        <p:spPr/>
+        <p:spPr>
+          <a:xfrm>
+            <a:off x="1295402" y="982133"/>
+            <a:ext cx="9601196" cy="296062"/>
+          </a:xfrm>
+        </p:spPr>
+        <p:txBody>
+          <a:bodyPr>
+            <a:normAutofit fontScale="90000"/>
+          </a:bodyPr>
+          <a:lstStyle/>
+          <a:p>
+            <a:endParaRPr lang="ro-RO" dirty="0"/>
+          </a:p>
+        </p:txBody>
+      </p:sp>
+      <p:sp>
+        <p:nvSpPr>
+          <p:cNvPr id="3" name="Content Placeholder 2"/>
+          <p:cNvSpPr>
+            <a:spLocks noGrp="1"/>
+          </p:cNvSpPr>
+          <p:nvPr>
+            <p:ph sz="half" idx="1"/>
+          </p:nvPr>
+        </p:nvSpPr>
+        <p:spPr>
+          <a:xfrm>
+            <a:off x="1295402" y="1596759"/>
+            <a:ext cx="4718304" cy="3310128"/>
+          </a:xfrm>
+        </p:spPr>
         <p:txBody>
           <a:bodyPr/>
           <a:lstStyle/>
           <a:p>
-            <a:endParaRPr lang="ro-RO"/>
-          </a:p>
-        </p:txBody>
-      </p:sp>
-      <p:sp>
-        <p:nvSpPr>
-          <p:cNvPr id="3" name="Content Placeholder 2"/>
-          <p:cNvSpPr>
-            <a:spLocks noGrp="1"/>
-          </p:cNvSpPr>
-          <p:nvPr>
-            <p:ph sz="half" idx="1"/>
-          </p:nvPr>
-        </p:nvSpPr>
-        <p:spPr/>
-        <p:txBody>
-          <a:bodyPr/>
-          <a:lstStyle/>
-          <a:p>
-            <a:r>
-              <a:rPr lang="ro-RO" b="1" dirty="0"/>
+            <a:r>
+              <a:rPr lang="ro-RO" b="1" dirty="0">
+                <a:latin typeface="Arial" panose="020B0604020202020204" pitchFamily="34" charset="0"/>
+                <a:cs typeface="Arial" panose="020B0604020202020204" pitchFamily="34" charset="0"/>
+              </a:rPr>
               <a:t>Când </a:t>
             </a:r>
             <a:r>
-              <a:rPr lang="ro-RO" b="1" dirty="0" smtClean="0"/>
+              <a:rPr lang="ro-RO" b="1" dirty="0" smtClean="0">
+                <a:latin typeface="Arial" panose="020B0604020202020204" pitchFamily="34" charset="0"/>
+                <a:cs typeface="Arial" panose="020B0604020202020204" pitchFamily="34" charset="0"/>
+              </a:rPr>
               <a:t>te afli </a:t>
             </a:r>
             <a:r>
-              <a:rPr lang="ro-RO" b="1" dirty="0"/>
+              <a:rPr lang="ro-RO" b="1" dirty="0">
+                <a:latin typeface="Arial" panose="020B0604020202020204" pitchFamily="34" charset="0"/>
+                <a:cs typeface="Arial" panose="020B0604020202020204" pitchFamily="34" charset="0"/>
+              </a:rPr>
               <a:t>într-un loc nou, cum </a:t>
             </a:r>
             <a:r>
-              <a:rPr lang="ro-RO" b="1" dirty="0" smtClean="0"/>
+              <a:rPr lang="ro-RO" b="1" dirty="0" smtClean="0">
+                <a:latin typeface="Arial" panose="020B0604020202020204" pitchFamily="34" charset="0"/>
+                <a:cs typeface="Arial" panose="020B0604020202020204" pitchFamily="34" charset="0"/>
+              </a:rPr>
               <a:t>îți găsești </a:t>
             </a:r>
             <a:r>
-              <a:rPr lang="ro-RO" b="1" dirty="0"/>
+              <a:rPr lang="ro-RO" b="1" dirty="0">
+                <a:latin typeface="Arial" panose="020B0604020202020204" pitchFamily="34" charset="0"/>
+                <a:cs typeface="Arial" panose="020B0604020202020204" pitchFamily="34" charset="0"/>
+              </a:rPr>
               <a:t>drumul</a:t>
             </a:r>
             <a:r>
-              <a:rPr lang="ro-RO" b="1" dirty="0" smtClean="0"/>
+              <a:rPr lang="ro-RO" b="1" dirty="0" smtClean="0">
+                <a:latin typeface="Arial" panose="020B0604020202020204" pitchFamily="34" charset="0"/>
+                <a:cs typeface="Arial" panose="020B0604020202020204" pitchFamily="34" charset="0"/>
+              </a:rPr>
               <a:t>?</a:t>
             </a:r>
           </a:p>
@@ -6892,23 +7888,38 @@
               <a:buChar char="o"/>
             </a:pPr>
             <a:r>
-              <a:rPr lang="ro-RO" dirty="0" smtClean="0"/>
+              <a:rPr lang="ro-RO" dirty="0" smtClean="0">
+                <a:latin typeface="Arial" panose="020B0604020202020204" pitchFamily="34" charset="0"/>
+                <a:cs typeface="Arial" panose="020B0604020202020204" pitchFamily="34" charset="0"/>
+              </a:rPr>
               <a:t>Cauți o </a:t>
             </a:r>
             <a:r>
-              <a:rPr lang="ro-RO" dirty="0"/>
+              <a:rPr lang="ro-RO" dirty="0">
+                <a:latin typeface="Arial" panose="020B0604020202020204" pitchFamily="34" charset="0"/>
+                <a:cs typeface="Arial" panose="020B0604020202020204" pitchFamily="34" charset="0"/>
+              </a:rPr>
               <a:t>hartă sau un </a:t>
             </a:r>
             <a:r>
-              <a:rPr lang="ro-RO" dirty="0" smtClean="0"/>
+              <a:rPr lang="ro-RO" dirty="0" smtClean="0">
+                <a:latin typeface="Arial" panose="020B0604020202020204" pitchFamily="34" charset="0"/>
+                <a:cs typeface="Arial" panose="020B0604020202020204" pitchFamily="34" charset="0"/>
+              </a:rPr>
               <a:t>ghid </a:t>
             </a:r>
             <a:r>
-              <a:rPr lang="ro-RO" dirty="0"/>
+              <a:rPr lang="ro-RO" dirty="0">
+                <a:latin typeface="Arial" panose="020B0604020202020204" pitchFamily="34" charset="0"/>
+                <a:cs typeface="Arial" panose="020B0604020202020204" pitchFamily="34" charset="0"/>
+              </a:rPr>
               <a:t>care să îți arate unde este </a:t>
             </a:r>
             <a:r>
-              <a:rPr lang="ro-RO" dirty="0" smtClean="0"/>
+              <a:rPr lang="ro-RO" dirty="0" smtClean="0">
+                <a:latin typeface="Arial" panose="020B0604020202020204" pitchFamily="34" charset="0"/>
+                <a:cs typeface="Arial" panose="020B0604020202020204" pitchFamily="34" charset="0"/>
+              </a:rPr>
               <a:t>totul</a:t>
             </a:r>
           </a:p>
@@ -6918,7 +7929,10 @@
               <a:buChar char="o"/>
             </a:pPr>
             <a:r>
-              <a:rPr lang="ro-RO" dirty="0" smtClean="0"/>
+              <a:rPr lang="ro-RO" dirty="0" smtClean="0">
+                <a:latin typeface="Arial" panose="020B0604020202020204" pitchFamily="34" charset="0"/>
+                <a:cs typeface="Arial" panose="020B0604020202020204" pitchFamily="34" charset="0"/>
+              </a:rPr>
               <a:t>Ceri cuiva indicații</a:t>
             </a:r>
           </a:p>
@@ -6928,86 +7942,149 @@
               <a:buChar char="o"/>
             </a:pPr>
             <a:r>
-              <a:rPr lang="en-GB" dirty="0" err="1" smtClean="0"/>
+              <a:rPr lang="en-GB" dirty="0" err="1" smtClean="0">
+                <a:latin typeface="Arial" panose="020B0604020202020204" pitchFamily="34" charset="0"/>
+                <a:cs typeface="Arial" panose="020B0604020202020204" pitchFamily="34" charset="0"/>
+              </a:rPr>
               <a:t>Începi</a:t>
             </a:r>
             <a:r>
-              <a:rPr lang="en-GB" dirty="0" smtClean="0"/>
+              <a:rPr lang="en-GB" dirty="0" smtClean="0">
+                <a:latin typeface="Arial" panose="020B0604020202020204" pitchFamily="34" charset="0"/>
+                <a:cs typeface="Arial" panose="020B0604020202020204" pitchFamily="34" charset="0"/>
+              </a:rPr>
               <a:t> </a:t>
             </a:r>
             <a:r>
-              <a:rPr lang="en-GB" dirty="0" err="1"/>
+              <a:rPr lang="en-GB" dirty="0" err="1">
+                <a:latin typeface="Arial" panose="020B0604020202020204" pitchFamily="34" charset="0"/>
+                <a:cs typeface="Arial" panose="020B0604020202020204" pitchFamily="34" charset="0"/>
+              </a:rPr>
               <a:t>să</a:t>
             </a:r>
             <a:r>
-              <a:rPr lang="en-GB" dirty="0"/>
+              <a:rPr lang="en-GB" dirty="0">
+                <a:latin typeface="Arial" panose="020B0604020202020204" pitchFamily="34" charset="0"/>
+                <a:cs typeface="Arial" panose="020B0604020202020204" pitchFamily="34" charset="0"/>
+              </a:rPr>
               <a:t> </a:t>
             </a:r>
             <a:r>
-              <a:rPr lang="ro-RO" dirty="0" smtClean="0"/>
+              <a:rPr lang="ro-RO" dirty="0" smtClean="0">
+                <a:latin typeface="Arial" panose="020B0604020202020204" pitchFamily="34" charset="0"/>
+                <a:cs typeface="Arial" panose="020B0604020202020204" pitchFamily="34" charset="0"/>
+              </a:rPr>
               <a:t>te</a:t>
             </a:r>
             <a:r>
-              <a:rPr lang="en-GB" dirty="0" smtClean="0"/>
+              <a:rPr lang="en-GB" dirty="0" smtClean="0">
+                <a:latin typeface="Arial" panose="020B0604020202020204" pitchFamily="34" charset="0"/>
+                <a:cs typeface="Arial" panose="020B0604020202020204" pitchFamily="34" charset="0"/>
+              </a:rPr>
               <a:t> </a:t>
             </a:r>
             <a:r>
-              <a:rPr lang="en-GB" dirty="0" err="1" smtClean="0"/>
+              <a:rPr lang="en-GB" dirty="0" err="1" smtClean="0">
+                <a:latin typeface="Arial" panose="020B0604020202020204" pitchFamily="34" charset="0"/>
+                <a:cs typeface="Arial" panose="020B0604020202020204" pitchFamily="34" charset="0"/>
+              </a:rPr>
               <a:t>plimbi</a:t>
             </a:r>
             <a:r>
-              <a:rPr lang="en-GB" dirty="0" smtClean="0"/>
+              <a:rPr lang="en-GB" dirty="0" smtClean="0">
+                <a:latin typeface="Arial" panose="020B0604020202020204" pitchFamily="34" charset="0"/>
+                <a:cs typeface="Arial" panose="020B0604020202020204" pitchFamily="34" charset="0"/>
+              </a:rPr>
               <a:t> </a:t>
             </a:r>
             <a:r>
-              <a:rPr lang="en-GB" dirty="0" err="1"/>
+              <a:rPr lang="en-GB" dirty="0" err="1">
+                <a:latin typeface="Arial" panose="020B0604020202020204" pitchFamily="34" charset="0"/>
+                <a:cs typeface="Arial" panose="020B0604020202020204" pitchFamily="34" charset="0"/>
+              </a:rPr>
               <a:t>până</a:t>
             </a:r>
             <a:r>
-              <a:rPr lang="en-GB" dirty="0"/>
+              <a:rPr lang="en-GB" dirty="0">
+                <a:latin typeface="Arial" panose="020B0604020202020204" pitchFamily="34" charset="0"/>
+                <a:cs typeface="Arial" panose="020B0604020202020204" pitchFamily="34" charset="0"/>
+              </a:rPr>
               <a:t> </a:t>
             </a:r>
             <a:r>
-              <a:rPr lang="en-GB" dirty="0" err="1"/>
+              <a:rPr lang="en-GB" dirty="0" err="1">
+                <a:latin typeface="Arial" panose="020B0604020202020204" pitchFamily="34" charset="0"/>
+                <a:cs typeface="Arial" panose="020B0604020202020204" pitchFamily="34" charset="0"/>
+              </a:rPr>
               <a:t>când</a:t>
             </a:r>
             <a:r>
-              <a:rPr lang="en-GB" dirty="0"/>
+              <a:rPr lang="en-GB" dirty="0">
+                <a:latin typeface="Arial" panose="020B0604020202020204" pitchFamily="34" charset="0"/>
+                <a:cs typeface="Arial" panose="020B0604020202020204" pitchFamily="34" charset="0"/>
+              </a:rPr>
               <a:t> </a:t>
             </a:r>
             <a:r>
-              <a:rPr lang="en-GB" dirty="0" err="1" smtClean="0"/>
+              <a:rPr lang="en-GB" dirty="0" err="1" smtClean="0">
+                <a:latin typeface="Arial" panose="020B0604020202020204" pitchFamily="34" charset="0"/>
+                <a:cs typeface="Arial" panose="020B0604020202020204" pitchFamily="34" charset="0"/>
+              </a:rPr>
               <a:t>găs</a:t>
             </a:r>
             <a:r>
-              <a:rPr lang="ro-RO" dirty="0" smtClean="0"/>
+              <a:rPr lang="ro-RO" dirty="0" smtClean="0">
+                <a:latin typeface="Arial" panose="020B0604020202020204" pitchFamily="34" charset="0"/>
+                <a:cs typeface="Arial" panose="020B0604020202020204" pitchFamily="34" charset="0"/>
+              </a:rPr>
               <a:t>ești</a:t>
             </a:r>
             <a:r>
-              <a:rPr lang="en-GB" dirty="0" smtClean="0"/>
+              <a:rPr lang="en-GB" dirty="0" smtClean="0">
+                <a:latin typeface="Arial" panose="020B0604020202020204" pitchFamily="34" charset="0"/>
+                <a:cs typeface="Arial" panose="020B0604020202020204" pitchFamily="34" charset="0"/>
+              </a:rPr>
               <a:t> </a:t>
             </a:r>
             <a:r>
-              <a:rPr lang="en-GB" dirty="0" err="1"/>
+              <a:rPr lang="en-GB" dirty="0" err="1">
+                <a:latin typeface="Arial" panose="020B0604020202020204" pitchFamily="34" charset="0"/>
+                <a:cs typeface="Arial" panose="020B0604020202020204" pitchFamily="34" charset="0"/>
+              </a:rPr>
               <a:t>ceea</a:t>
             </a:r>
             <a:r>
-              <a:rPr lang="en-GB" dirty="0"/>
+              <a:rPr lang="en-GB" dirty="0">
+                <a:latin typeface="Arial" panose="020B0604020202020204" pitchFamily="34" charset="0"/>
+                <a:cs typeface="Arial" panose="020B0604020202020204" pitchFamily="34" charset="0"/>
+              </a:rPr>
               <a:t> </a:t>
             </a:r>
             <a:r>
-              <a:rPr lang="en-GB" dirty="0" err="1"/>
+              <a:rPr lang="en-GB" dirty="0" err="1">
+                <a:latin typeface="Arial" panose="020B0604020202020204" pitchFamily="34" charset="0"/>
+                <a:cs typeface="Arial" panose="020B0604020202020204" pitchFamily="34" charset="0"/>
+              </a:rPr>
               <a:t>ce</a:t>
             </a:r>
             <a:r>
-              <a:rPr lang="en-GB" dirty="0"/>
+              <a:rPr lang="en-GB" dirty="0">
+                <a:latin typeface="Arial" panose="020B0604020202020204" pitchFamily="34" charset="0"/>
+                <a:cs typeface="Arial" panose="020B0604020202020204" pitchFamily="34" charset="0"/>
+              </a:rPr>
               <a:t> </a:t>
             </a:r>
             <a:r>
-              <a:rPr lang="ro-RO" dirty="0" smtClean="0"/>
+              <a:rPr lang="ro-RO" dirty="0" smtClean="0">
+                <a:latin typeface="Arial" panose="020B0604020202020204" pitchFamily="34" charset="0"/>
+                <a:cs typeface="Arial" panose="020B0604020202020204" pitchFamily="34" charset="0"/>
+              </a:rPr>
               <a:t>cauți</a:t>
             </a:r>
-            <a:endParaRPr lang="en-GB" dirty="0" smtClean="0"/>
+            <a:endParaRPr lang="en-GB" dirty="0" smtClean="0">
+              <a:latin typeface="Arial" panose="020B0604020202020204" pitchFamily="34" charset="0"/>
+              <a:cs typeface="Arial" panose="020B0604020202020204" pitchFamily="34" charset="0"/>
+            </a:endParaRPr>
           </a:p>
           <a:p>
             <a:pPr>
@@ -7028,33 +8105,56 @@
             <p:ph sz="half" idx="2"/>
           </p:nvPr>
         </p:nvSpPr>
-        <p:spPr/>
+        <p:spPr>
+          <a:xfrm>
+            <a:off x="6178294" y="1596759"/>
+            <a:ext cx="4718304" cy="3310128"/>
+          </a:xfrm>
+        </p:spPr>
         <p:txBody>
           <a:bodyPr/>
           <a:lstStyle/>
           <a:p>
             <a:r>
-              <a:rPr lang="ro-RO" b="1" dirty="0"/>
+              <a:rPr lang="ro-RO" b="1" dirty="0">
+                <a:latin typeface="Arial" panose="020B0604020202020204" pitchFamily="34" charset="0"/>
+                <a:cs typeface="Arial" panose="020B0604020202020204" pitchFamily="34" charset="0"/>
+              </a:rPr>
               <a:t>Ce </a:t>
             </a:r>
             <a:r>
-              <a:rPr lang="ro-RO" b="1" dirty="0" smtClean="0"/>
+              <a:rPr lang="ro-RO" b="1" dirty="0" smtClean="0">
+                <a:latin typeface="Arial" panose="020B0604020202020204" pitchFamily="34" charset="0"/>
+                <a:cs typeface="Arial" panose="020B0604020202020204" pitchFamily="34" charset="0"/>
+              </a:rPr>
               <a:t>îți distrage </a:t>
             </a:r>
             <a:r>
-              <a:rPr lang="ro-RO" b="1" dirty="0"/>
+              <a:rPr lang="ro-RO" b="1" dirty="0">
+                <a:latin typeface="Arial" panose="020B0604020202020204" pitchFamily="34" charset="0"/>
+                <a:cs typeface="Arial" panose="020B0604020202020204" pitchFamily="34" charset="0"/>
+              </a:rPr>
               <a:t>atenția </a:t>
             </a:r>
             <a:r>
-              <a:rPr lang="ro-RO" b="1" dirty="0" smtClean="0"/>
+              <a:rPr lang="ro-RO" b="1" dirty="0" smtClean="0">
+                <a:latin typeface="Arial" panose="020B0604020202020204" pitchFamily="34" charset="0"/>
+                <a:cs typeface="Arial" panose="020B0604020202020204" pitchFamily="34" charset="0"/>
+              </a:rPr>
               <a:t>cel mai mult când ești </a:t>
             </a:r>
             <a:r>
-              <a:rPr lang="ro-RO" b="1" dirty="0"/>
+              <a:rPr lang="ro-RO" b="1" dirty="0">
+                <a:latin typeface="Arial" panose="020B0604020202020204" pitchFamily="34" charset="0"/>
+                <a:cs typeface="Arial" panose="020B0604020202020204" pitchFamily="34" charset="0"/>
+              </a:rPr>
               <a:t>în </a:t>
             </a:r>
             <a:r>
-              <a:rPr lang="ro-RO" b="1" dirty="0" smtClean="0"/>
+              <a:rPr lang="ro-RO" b="1" dirty="0" smtClean="0">
+                <a:latin typeface="Arial" panose="020B0604020202020204" pitchFamily="34" charset="0"/>
+                <a:cs typeface="Arial" panose="020B0604020202020204" pitchFamily="34" charset="0"/>
+              </a:rPr>
               <a:t>clasă?</a:t>
             </a:r>
           </a:p>
@@ -7064,26 +8164,44 @@
               <a:buChar char="o"/>
             </a:pPr>
             <a:r>
-              <a:rPr lang="it-IT" dirty="0"/>
+              <a:rPr lang="it-IT" dirty="0">
+                <a:latin typeface="Arial" panose="020B0604020202020204" pitchFamily="34" charset="0"/>
+                <a:cs typeface="Arial" panose="020B0604020202020204" pitchFamily="34" charset="0"/>
+              </a:rPr>
               <a:t>Lumini prea </a:t>
             </a:r>
             <a:r>
-              <a:rPr lang="ro-RO" dirty="0" smtClean="0"/>
+              <a:rPr lang="ro-RO" dirty="0" smtClean="0">
+                <a:latin typeface="Arial" panose="020B0604020202020204" pitchFamily="34" charset="0"/>
+                <a:cs typeface="Arial" panose="020B0604020202020204" pitchFamily="34" charset="0"/>
+              </a:rPr>
               <a:t>puternice</a:t>
             </a:r>
             <a:r>
-              <a:rPr lang="it-IT" dirty="0" smtClean="0"/>
+              <a:rPr lang="it-IT" dirty="0" smtClean="0">
+                <a:latin typeface="Arial" panose="020B0604020202020204" pitchFamily="34" charset="0"/>
+                <a:cs typeface="Arial" panose="020B0604020202020204" pitchFamily="34" charset="0"/>
+              </a:rPr>
               <a:t> </a:t>
             </a:r>
             <a:r>
-              <a:rPr lang="it-IT" dirty="0"/>
+              <a:rPr lang="it-IT" dirty="0">
+                <a:latin typeface="Arial" panose="020B0604020202020204" pitchFamily="34" charset="0"/>
+                <a:cs typeface="Arial" panose="020B0604020202020204" pitchFamily="34" charset="0"/>
+              </a:rPr>
               <a:t>sau prea </a:t>
             </a:r>
             <a:r>
-              <a:rPr lang="it-IT" dirty="0" smtClean="0"/>
+              <a:rPr lang="it-IT" dirty="0" smtClean="0">
+                <a:latin typeface="Arial" panose="020B0604020202020204" pitchFamily="34" charset="0"/>
+                <a:cs typeface="Arial" panose="020B0604020202020204" pitchFamily="34" charset="0"/>
+              </a:rPr>
               <a:t>slabe</a:t>
             </a:r>
-            <a:endParaRPr lang="ro-RO" dirty="0"/>
+            <a:endParaRPr lang="ro-RO" dirty="0">
+              <a:latin typeface="Arial" panose="020B0604020202020204" pitchFamily="34" charset="0"/>
+              <a:cs typeface="Arial" panose="020B0604020202020204" pitchFamily="34" charset="0"/>
+            </a:endParaRPr>
           </a:p>
           <a:p>
             <a:pPr>
@@ -7091,15 +8209,24 @@
               <a:buChar char="o"/>
             </a:pPr>
             <a:r>
-              <a:rPr lang="ro-RO" dirty="0" smtClean="0"/>
+              <a:rPr lang="ro-RO" dirty="0" smtClean="0">
+                <a:latin typeface="Arial" panose="020B0604020202020204" pitchFamily="34" charset="0"/>
+                <a:cs typeface="Arial" panose="020B0604020202020204" pitchFamily="34" charset="0"/>
+              </a:rPr>
               <a:t>Zgomotele </a:t>
             </a:r>
             <a:r>
-              <a:rPr lang="ro-RO" dirty="0"/>
+              <a:rPr lang="ro-RO" dirty="0">
+                <a:latin typeface="Arial" panose="020B0604020202020204" pitchFamily="34" charset="0"/>
+                <a:cs typeface="Arial" panose="020B0604020202020204" pitchFamily="34" charset="0"/>
+              </a:rPr>
               <a:t>de pe hol sau din exteriorul </a:t>
             </a:r>
             <a:r>
-              <a:rPr lang="ro-RO" dirty="0" smtClean="0"/>
+              <a:rPr lang="ro-RO" dirty="0" smtClean="0">
+                <a:latin typeface="Arial" panose="020B0604020202020204" pitchFamily="34" charset="0"/>
+                <a:cs typeface="Arial" panose="020B0604020202020204" pitchFamily="34" charset="0"/>
+              </a:rPr>
               <a:t>clădirii</a:t>
             </a:r>
           </a:p>
@@ -7109,7 +8236,10 @@
               <a:buChar char="o"/>
             </a:pPr>
             <a:r>
-              <a:rPr lang="ro-RO" dirty="0" smtClean="0"/>
+              <a:rPr lang="ro-RO" dirty="0" smtClean="0">
+                <a:latin typeface="Arial" panose="020B0604020202020204" pitchFamily="34" charset="0"/>
+                <a:cs typeface="Arial" panose="020B0604020202020204" pitchFamily="34" charset="0"/>
+              </a:rPr>
               <a:t>Dacă e prea cald sau frig</a:t>
             </a:r>
           </a:p>
@@ -7125,6 +8255,13 @@
   <p:clrMapOvr>
     <a:masterClrMapping/>
   </p:clrMapOvr>
+  <p:timing>
+    <p:tnLst>
+      <p:par>
+        <p:cTn id="1" dur="indefinite" restart="never" nodeType="tmRoot"/>
+      </p:par>
+    </p:tnLst>
+  </p:timing>
 </p:sld>
 </file>
 
@@ -7155,50 +8292,69 @@
             <p:ph type="title"/>
           </p:nvPr>
         </p:nvSpPr>
-        <p:spPr/>
-        <p:txBody>
-          <a:bodyPr/>
-          <a:lstStyle/>
-          <a:p>
-            <a:endParaRPr lang="ro-RO"/>
-          </a:p>
-        </p:txBody>
-      </p:sp>
-      <p:sp>
-        <p:nvSpPr>
-          <p:cNvPr id="3" name="Content Placeholder 2"/>
-          <p:cNvSpPr>
-            <a:spLocks noGrp="1"/>
-          </p:cNvSpPr>
-          <p:nvPr>
-            <p:ph sz="half" idx="1"/>
-          </p:nvPr>
-        </p:nvSpPr>
         <p:spPr>
           <a:xfrm>
-            <a:off x="1298448" y="2560320"/>
-            <a:ext cx="4718304" cy="3683164"/>
+            <a:off x="1295402" y="982132"/>
+            <a:ext cx="9601196" cy="197739"/>
           </a:xfrm>
         </p:spPr>
         <p:txBody>
           <a:bodyPr>
-            <a:normAutofit lnSpcReduction="10000"/>
+            <a:noAutofit/>
           </a:bodyPr>
           <a:lstStyle/>
           <a:p>
-            <a:r>
-              <a:rPr lang="it-IT" b="1" dirty="0"/>
+            <a:endParaRPr lang="ro-RO" dirty="0"/>
+          </a:p>
+        </p:txBody>
+      </p:sp>
+      <p:sp>
+        <p:nvSpPr>
+          <p:cNvPr id="3" name="Content Placeholder 2"/>
+          <p:cNvSpPr>
+            <a:spLocks noGrp="1"/>
+          </p:cNvSpPr>
+          <p:nvPr>
+            <p:ph sz="half" idx="1"/>
+          </p:nvPr>
+        </p:nvSpPr>
+        <p:spPr>
+          <a:xfrm>
+            <a:off x="1298448" y="1248697"/>
+            <a:ext cx="4718304" cy="4994788"/>
+          </a:xfrm>
+        </p:spPr>
+        <p:txBody>
+          <a:bodyPr>
+            <a:normAutofit/>
+          </a:bodyPr>
+          <a:lstStyle/>
+          <a:p>
+            <a:r>
+              <a:rPr lang="it-IT" b="1" dirty="0">
+                <a:latin typeface="Arial" panose="020B0604020202020204" pitchFamily="34" charset="0"/>
+                <a:cs typeface="Arial" panose="020B0604020202020204" pitchFamily="34" charset="0"/>
+              </a:rPr>
               <a:t>Care este cel mai bun mod de a-ți aminti numărul de telefon al </a:t>
             </a:r>
             <a:r>
-              <a:rPr lang="ro-RO" b="1" dirty="0" smtClean="0"/>
+              <a:rPr lang="ro-RO" b="1" dirty="0" smtClean="0">
+                <a:latin typeface="Arial" panose="020B0604020202020204" pitchFamily="34" charset="0"/>
+                <a:cs typeface="Arial" panose="020B0604020202020204" pitchFamily="34" charset="0"/>
+              </a:rPr>
               <a:t>cuiva </a:t>
             </a:r>
             <a:r>
-              <a:rPr lang="it-IT" b="1" dirty="0" smtClean="0"/>
+              <a:rPr lang="it-IT" b="1" dirty="0" smtClean="0">
+                <a:latin typeface="Arial" panose="020B0604020202020204" pitchFamily="34" charset="0"/>
+                <a:cs typeface="Arial" panose="020B0604020202020204" pitchFamily="34" charset="0"/>
+              </a:rPr>
               <a:t>?</a:t>
             </a:r>
-            <a:endParaRPr lang="ro-RO" b="1" dirty="0" smtClean="0"/>
+            <a:endParaRPr lang="ro-RO" b="1" dirty="0" smtClean="0">
+              <a:latin typeface="Arial" panose="020B0604020202020204" pitchFamily="34" charset="0"/>
+              <a:cs typeface="Arial" panose="020B0604020202020204" pitchFamily="34" charset="0"/>
+            </a:endParaRPr>
           </a:p>
           <a:p>
             <a:pPr>
@@ -7206,34 +8362,58 @@
               <a:buChar char="o"/>
             </a:pPr>
             <a:r>
-              <a:rPr lang="ro-RO" dirty="0" smtClean="0"/>
+              <a:rPr lang="ro-RO" dirty="0" smtClean="0">
+                <a:latin typeface="Arial" panose="020B0604020202020204" pitchFamily="34" charset="0"/>
+                <a:cs typeface="Arial" panose="020B0604020202020204" pitchFamily="34" charset="0"/>
+              </a:rPr>
               <a:t>Îți imaginezi</a:t>
             </a:r>
             <a:r>
-              <a:rPr lang="it-IT" dirty="0" smtClean="0"/>
+              <a:rPr lang="it-IT" dirty="0" smtClean="0">
+                <a:latin typeface="Arial" panose="020B0604020202020204" pitchFamily="34" charset="0"/>
+                <a:cs typeface="Arial" panose="020B0604020202020204" pitchFamily="34" charset="0"/>
+              </a:rPr>
               <a:t> </a:t>
             </a:r>
             <a:r>
-              <a:rPr lang="it-IT" dirty="0"/>
+              <a:rPr lang="it-IT" dirty="0">
+                <a:latin typeface="Arial" panose="020B0604020202020204" pitchFamily="34" charset="0"/>
+                <a:cs typeface="Arial" panose="020B0604020202020204" pitchFamily="34" charset="0"/>
+              </a:rPr>
               <a:t>numerele de pe telefon </a:t>
             </a:r>
             <a:r>
-              <a:rPr lang="ro-RO" dirty="0" smtClean="0"/>
+              <a:rPr lang="ro-RO" dirty="0" smtClean="0">
+                <a:latin typeface="Arial" panose="020B0604020202020204" pitchFamily="34" charset="0"/>
+                <a:cs typeface="Arial" panose="020B0604020202020204" pitchFamily="34" charset="0"/>
+              </a:rPr>
               <a:t>ca și</a:t>
             </a:r>
             <a:r>
-              <a:rPr lang="it-IT" dirty="0" smtClean="0"/>
+              <a:rPr lang="it-IT" dirty="0" smtClean="0">
+                <a:latin typeface="Arial" panose="020B0604020202020204" pitchFamily="34" charset="0"/>
+                <a:cs typeface="Arial" panose="020B0604020202020204" pitchFamily="34" charset="0"/>
+              </a:rPr>
               <a:t> </a:t>
             </a:r>
             <a:r>
-              <a:rPr lang="it-IT" dirty="0"/>
+              <a:rPr lang="it-IT" dirty="0">
+                <a:latin typeface="Arial" panose="020B0604020202020204" pitchFamily="34" charset="0"/>
+                <a:cs typeface="Arial" panose="020B0604020202020204" pitchFamily="34" charset="0"/>
+              </a:rPr>
               <a:t>cum le-ai </a:t>
             </a:r>
             <a:r>
-              <a:rPr lang="it-IT" dirty="0" smtClean="0"/>
+              <a:rPr lang="it-IT" dirty="0" smtClean="0">
+                <a:latin typeface="Arial" panose="020B0604020202020204" pitchFamily="34" charset="0"/>
+                <a:cs typeface="Arial" panose="020B0604020202020204" pitchFamily="34" charset="0"/>
+              </a:rPr>
               <a:t>forma</a:t>
             </a:r>
-            <a:endParaRPr lang="ro-RO" dirty="0" smtClean="0"/>
+            <a:endParaRPr lang="ro-RO" dirty="0" smtClean="0">
+              <a:latin typeface="Arial" panose="020B0604020202020204" pitchFamily="34" charset="0"/>
+              <a:cs typeface="Arial" panose="020B0604020202020204" pitchFamily="34" charset="0"/>
+            </a:endParaRPr>
           </a:p>
           <a:p>
             <a:pPr>
@@ -7241,7 +8421,10 @@
               <a:buChar char="o"/>
             </a:pPr>
             <a:r>
-              <a:rPr lang="ro-RO" dirty="0" smtClean="0"/>
+              <a:rPr lang="ro-RO" dirty="0" smtClean="0">
+                <a:latin typeface="Arial" panose="020B0604020202020204" pitchFamily="34" charset="0"/>
+                <a:cs typeface="Arial" panose="020B0604020202020204" pitchFamily="34" charset="0"/>
+              </a:rPr>
               <a:t>Repeți de mai multe ori cu voce tare</a:t>
             </a:r>
           </a:p>
@@ -7251,10 +8434,16 @@
               <a:buChar char="o"/>
             </a:pPr>
             <a:r>
-              <a:rPr lang="ro-RO" dirty="0" smtClean="0"/>
-              <a:t>Ți-l notezi sau ăl memorezi în telefon</a:t>
-            </a:r>
-            <a:endParaRPr lang="ro-RO" dirty="0"/>
+              <a:rPr lang="ro-RO" dirty="0" smtClean="0">
+                <a:latin typeface="Arial" panose="020B0604020202020204" pitchFamily="34" charset="0"/>
+                <a:cs typeface="Arial" panose="020B0604020202020204" pitchFamily="34" charset="0"/>
+              </a:rPr>
+              <a:t>Ți-l notezi sau îl memorezi în telefon</a:t>
+            </a:r>
+            <a:endParaRPr lang="ro-RO" dirty="0">
+              <a:latin typeface="Arial" panose="020B0604020202020204" pitchFamily="34" charset="0"/>
+              <a:cs typeface="Arial" panose="020B0604020202020204" pitchFamily="34" charset="0"/>
+            </a:endParaRPr>
           </a:p>
         </p:txBody>
       </p:sp>
@@ -7268,27 +8457,44 @@
             <p:ph sz="half" idx="2"/>
           </p:nvPr>
         </p:nvSpPr>
-        <p:spPr/>
+        <p:spPr>
+          <a:xfrm>
+            <a:off x="6181344" y="1248697"/>
+            <a:ext cx="4718304" cy="4621751"/>
+          </a:xfrm>
+        </p:spPr>
         <p:txBody>
           <a:bodyPr>
-            <a:normAutofit lnSpcReduction="10000"/>
+            <a:normAutofit/>
           </a:bodyPr>
           <a:lstStyle/>
           <a:p>
             <a:r>
-              <a:rPr lang="ro-RO" b="1" dirty="0"/>
+              <a:rPr lang="ro-RO" b="1" dirty="0">
+                <a:latin typeface="Arial" panose="020B0604020202020204" pitchFamily="34" charset="0"/>
+                <a:cs typeface="Arial" panose="020B0604020202020204" pitchFamily="34" charset="0"/>
+              </a:rPr>
               <a:t>Ce este cel mai probabil să </a:t>
             </a:r>
             <a:r>
-              <a:rPr lang="ro-RO" b="1" dirty="0" smtClean="0"/>
+              <a:rPr lang="ro-RO" b="1" dirty="0" smtClean="0">
+                <a:latin typeface="Arial" panose="020B0604020202020204" pitchFamily="34" charset="0"/>
+                <a:cs typeface="Arial" panose="020B0604020202020204" pitchFamily="34" charset="0"/>
+              </a:rPr>
               <a:t>îți amintești </a:t>
             </a:r>
             <a:r>
-              <a:rPr lang="ro-RO" b="1" dirty="0"/>
+              <a:rPr lang="ro-RO" b="1" dirty="0">
+                <a:latin typeface="Arial" panose="020B0604020202020204" pitchFamily="34" charset="0"/>
+                <a:cs typeface="Arial" panose="020B0604020202020204" pitchFamily="34" charset="0"/>
+              </a:rPr>
               <a:t>despre oamenii noi pe care îi </a:t>
             </a:r>
             <a:r>
-              <a:rPr lang="ro-RO" b="1" dirty="0" smtClean="0"/>
+              <a:rPr lang="ro-RO" b="1" dirty="0" smtClean="0">
+                <a:latin typeface="Arial" panose="020B0604020202020204" pitchFamily="34" charset="0"/>
+                <a:cs typeface="Arial" panose="020B0604020202020204" pitchFamily="34" charset="0"/>
+              </a:rPr>
               <a:t>întâlnești ?</a:t>
             </a:r>
           </a:p>
@@ -7298,7 +8504,10 @@
               <a:buChar char="o"/>
             </a:pPr>
             <a:r>
-              <a:rPr lang="ro-RO" dirty="0" smtClean="0"/>
+              <a:rPr lang="ro-RO" dirty="0" smtClean="0">
+                <a:latin typeface="Arial" panose="020B0604020202020204" pitchFamily="34" charset="0"/>
+                <a:cs typeface="Arial" panose="020B0604020202020204" pitchFamily="34" charset="0"/>
+              </a:rPr>
               <a:t>Fața lor, dar nu numele</a:t>
             </a:r>
           </a:p>
@@ -7308,7 +8517,10 @@
               <a:buChar char="o"/>
             </a:pPr>
             <a:r>
-              <a:rPr lang="ro-RO" dirty="0" smtClean="0"/>
+              <a:rPr lang="ro-RO" dirty="0" smtClean="0">
+                <a:latin typeface="Arial" panose="020B0604020202020204" pitchFamily="34" charset="0"/>
+                <a:cs typeface="Arial" panose="020B0604020202020204" pitchFamily="34" charset="0"/>
+              </a:rPr>
               <a:t>Numele, dar nu fizionomia</a:t>
             </a:r>
           </a:p>
@@ -7318,10 +8530,16 @@
               <a:buChar char="o"/>
             </a:pPr>
             <a:r>
-              <a:rPr lang="ro-RO" dirty="0" smtClean="0"/>
+              <a:rPr lang="ro-RO" dirty="0" smtClean="0">
+                <a:latin typeface="Arial" panose="020B0604020202020204" pitchFamily="34" charset="0"/>
+                <a:cs typeface="Arial" panose="020B0604020202020204" pitchFamily="34" charset="0"/>
+              </a:rPr>
               <a:t>Despre ce ai discutat cu acea persoană </a:t>
             </a:r>
-            <a:endParaRPr lang="ro-RO" dirty="0"/>
+            <a:endParaRPr lang="ro-RO" dirty="0">
+              <a:latin typeface="Arial" panose="020B0604020202020204" pitchFamily="34" charset="0"/>
+              <a:cs typeface="Arial" panose="020B0604020202020204" pitchFamily="34" charset="0"/>
+            </a:endParaRPr>
           </a:p>
         </p:txBody>
       </p:sp>
@@ -7335,6 +8553,359 @@
   <p:clrMapOvr>
     <a:masterClrMapping/>
   </p:clrMapOvr>
+  <p:timing>
+    <p:tnLst>
+      <p:par>
+        <p:cTn id="1" dur="indefinite" restart="never" nodeType="tmRoot"/>
+      </p:par>
+    </p:tnLst>
+  </p:timing>
+</p:sld>
+</file>
+
+<file path=ppt/slides/slide8.xml><?xml version="1.0" encoding="utf-8"?>
+<p:sld xmlns:a="http://schemas.openxmlformats.org/drawingml/2006/main" xmlns:r="http://schemas.openxmlformats.org/officeDocument/2006/relationships" xmlns:p="http://schemas.openxmlformats.org/presentationml/2006/main">
+  <p:cSld>
+    <p:spTree>
+      <p:nvGrpSpPr>
+        <p:cNvPr id="1" name=""/>
+        <p:cNvGrpSpPr/>
+        <p:nvPr/>
+      </p:nvGrpSpPr>
+      <p:grpSpPr>
+        <a:xfrm>
+          <a:off x="0" y="0"/>
+          <a:ext cx="0" cy="0"/>
+          <a:chOff x="0" y="0"/>
+          <a:chExt cx="0" cy="0"/>
+        </a:xfrm>
+      </p:grpSpPr>
+      <p:sp>
+        <p:nvSpPr>
+          <p:cNvPr id="2" name="Title 1"/>
+          <p:cNvSpPr>
+            <a:spLocks noGrp="1"/>
+          </p:cNvSpPr>
+          <p:nvPr>
+            <p:ph type="title"/>
+          </p:nvPr>
+        </p:nvSpPr>
+        <p:spPr>
+          <a:xfrm>
+            <a:off x="1295401" y="1168945"/>
+            <a:ext cx="9601196" cy="1303867"/>
+          </a:xfrm>
+        </p:spPr>
+        <p:txBody>
+          <a:bodyPr/>
+          <a:lstStyle/>
+          <a:p>
+            <a:r>
+              <a:rPr lang="ro-RO" b="1" dirty="0" smtClean="0">
+                <a:latin typeface="Arial" panose="020B0604020202020204" pitchFamily="34" charset="0"/>
+                <a:cs typeface="Arial" panose="020B0604020202020204" pitchFamily="34" charset="0"/>
+              </a:rPr>
+              <a:t>EMOȚIA</a:t>
+            </a:r>
+            <a:endParaRPr lang="ro-RO" b="1" dirty="0">
+              <a:latin typeface="Arial" panose="020B0604020202020204" pitchFamily="34" charset="0"/>
+              <a:cs typeface="Arial" panose="020B0604020202020204" pitchFamily="34" charset="0"/>
+            </a:endParaRPr>
+          </a:p>
+        </p:txBody>
+      </p:sp>
+      <p:sp>
+        <p:nvSpPr>
+          <p:cNvPr id="3" name="Content Placeholder 2"/>
+          <p:cNvSpPr>
+            <a:spLocks noGrp="1"/>
+          </p:cNvSpPr>
+          <p:nvPr>
+            <p:ph idx="1"/>
+          </p:nvPr>
+        </p:nvSpPr>
+        <p:spPr>
+          <a:xfrm>
+            <a:off x="1295401" y="2831690"/>
+            <a:ext cx="9883876" cy="3044178"/>
+          </a:xfrm>
+        </p:spPr>
+        <p:txBody>
+          <a:bodyPr/>
+          <a:lstStyle/>
+          <a:p>
+            <a:pPr marL="0" indent="0">
+              <a:buNone/>
+            </a:pPr>
+            <a:r>
+              <a:rPr lang="ro-RO" dirty="0" smtClean="0">
+                <a:latin typeface="Arial" panose="020B0604020202020204" pitchFamily="34" charset="0"/>
+                <a:cs typeface="Arial" panose="020B0604020202020204" pitchFamily="34" charset="0"/>
+              </a:rPr>
+              <a:t>Într-un studiu din 2013, unor studenți le-au fost prezentate </a:t>
+            </a:r>
+            <a:r>
+              <a:rPr lang="ro-RO" b="1" dirty="0" smtClean="0">
+                <a:latin typeface="Arial" panose="020B0604020202020204" pitchFamily="34" charset="0"/>
+                <a:cs typeface="Arial" panose="020B0604020202020204" pitchFamily="34" charset="0"/>
+              </a:rPr>
+              <a:t>20 de poze</a:t>
+            </a:r>
+            <a:r>
+              <a:rPr lang="ro-RO" dirty="0" smtClean="0">
+                <a:latin typeface="Arial" panose="020B0604020202020204" pitchFamily="34" charset="0"/>
+                <a:cs typeface="Arial" panose="020B0604020202020204" pitchFamily="34" charset="0"/>
+              </a:rPr>
+              <a:t> cu diferiți oameni și </a:t>
+            </a:r>
+            <a:r>
+              <a:rPr lang="ro-RO" b="1" dirty="0" smtClean="0">
+                <a:latin typeface="Arial" panose="020B0604020202020204" pitchFamily="34" charset="0"/>
+                <a:cs typeface="Arial" panose="020B0604020202020204" pitchFamily="34" charset="0"/>
+              </a:rPr>
+              <a:t>un nume atașat </a:t>
+            </a:r>
+            <a:r>
+              <a:rPr lang="ro-RO" dirty="0" smtClean="0">
+                <a:latin typeface="Arial" panose="020B0604020202020204" pitchFamily="34" charset="0"/>
+                <a:cs typeface="Arial" panose="020B0604020202020204" pitchFamily="34" charset="0"/>
+              </a:rPr>
+              <a:t>fiecărei poze .</a:t>
+            </a:r>
+          </a:p>
+          <a:p>
+            <a:pPr marL="0" indent="0">
+              <a:buNone/>
+            </a:pPr>
+            <a:r>
+              <a:rPr lang="ro-RO" dirty="0" smtClean="0">
+                <a:latin typeface="Arial" panose="020B0604020202020204" pitchFamily="34" charset="0"/>
+                <a:cs typeface="Arial" panose="020B0604020202020204" pitchFamily="34" charset="0"/>
+              </a:rPr>
+              <a:t>După un anumit interval de timp, elevii au trebuit să își amintească care nume corespunde fiecărei poze .</a:t>
+            </a:r>
+          </a:p>
+          <a:p>
+            <a:pPr marL="0" indent="0">
+              <a:buNone/>
+            </a:pPr>
+            <a:r>
+              <a:rPr lang="ro-RO" dirty="0" smtClean="0">
+                <a:latin typeface="Arial" panose="020B0604020202020204" pitchFamily="34" charset="0"/>
+                <a:cs typeface="Arial" panose="020B0604020202020204" pitchFamily="34" charset="0"/>
+              </a:rPr>
+              <a:t>Concluzia care a fost trasă este aceea că : studenții și-au adus aminte </a:t>
+            </a:r>
+            <a:r>
+              <a:rPr lang="ro-RO" b="1" dirty="0" smtClean="0">
+                <a:solidFill>
+                  <a:schemeClr val="accent6"/>
+                </a:solidFill>
+                <a:latin typeface="Arial" panose="020B0604020202020204" pitchFamily="34" charset="0"/>
+                <a:cs typeface="Arial" panose="020B0604020202020204" pitchFamily="34" charset="0"/>
+              </a:rPr>
+              <a:t>numele persoanelor a căror expresie facială le transmiteau o emoție anume </a:t>
+            </a:r>
+            <a:r>
+              <a:rPr lang="ro-RO" b="1" dirty="0" smtClean="0">
+                <a:solidFill>
+                  <a:schemeClr val="tx1"/>
+                </a:solidFill>
+                <a:latin typeface="Arial" panose="020B0604020202020204" pitchFamily="34" charset="0"/>
+                <a:cs typeface="Arial" panose="020B0604020202020204" pitchFamily="34" charset="0"/>
+              </a:rPr>
+              <a:t>.</a:t>
+            </a:r>
+            <a:endParaRPr lang="ro-RO" b="1" dirty="0">
+              <a:solidFill>
+                <a:schemeClr val="tx1"/>
+              </a:solidFill>
+              <a:latin typeface="Arial" panose="020B0604020202020204" pitchFamily="34" charset="0"/>
+              <a:cs typeface="Arial" panose="020B0604020202020204" pitchFamily="34" charset="0"/>
+            </a:endParaRPr>
+          </a:p>
+        </p:txBody>
+      </p:sp>
+    </p:spTree>
+    <p:extLst>
+      <p:ext uri="{BB962C8B-B14F-4D97-AF65-F5344CB8AC3E}">
+        <p14:creationId xmlns:p14="http://schemas.microsoft.com/office/powerpoint/2010/main" val="2007110985"/>
+      </p:ext>
+    </p:extLst>
+  </p:cSld>
+  <p:clrMapOvr>
+    <a:masterClrMapping/>
+  </p:clrMapOvr>
+  <p:timing>
+    <p:tnLst>
+      <p:par>
+        <p:cTn id="1" dur="indefinite" restart="never" nodeType="tmRoot"/>
+      </p:par>
+    </p:tnLst>
+  </p:timing>
+</p:sld>
+</file>
+
+<file path=ppt/slides/slide9.xml><?xml version="1.0" encoding="utf-8"?>
+<p:sld xmlns:a="http://schemas.openxmlformats.org/drawingml/2006/main" xmlns:r="http://schemas.openxmlformats.org/officeDocument/2006/relationships" xmlns:p="http://schemas.openxmlformats.org/presentationml/2006/main">
+  <p:cSld>
+    <p:spTree>
+      <p:nvGrpSpPr>
+        <p:cNvPr id="1" name=""/>
+        <p:cNvGrpSpPr/>
+        <p:nvPr/>
+      </p:nvGrpSpPr>
+      <p:grpSpPr>
+        <a:xfrm>
+          <a:off x="0" y="0"/>
+          <a:ext cx="0" cy="0"/>
+          <a:chOff x="0" y="0"/>
+          <a:chExt cx="0" cy="0"/>
+        </a:xfrm>
+      </p:grpSpPr>
+      <p:sp>
+        <p:nvSpPr>
+          <p:cNvPr id="2" name="Title 1"/>
+          <p:cNvSpPr>
+            <a:spLocks noGrp="1"/>
+          </p:cNvSpPr>
+          <p:nvPr>
+            <p:ph type="title"/>
+          </p:nvPr>
+        </p:nvSpPr>
+        <p:spPr/>
+        <p:txBody>
+          <a:bodyPr/>
+          <a:lstStyle/>
+          <a:p>
+            <a:r>
+              <a:rPr lang="ro-RO" b="1" dirty="0" smtClean="0">
+                <a:latin typeface="Arial" panose="020B0604020202020204" pitchFamily="34" charset="0"/>
+                <a:cs typeface="Arial" panose="020B0604020202020204" pitchFamily="34" charset="0"/>
+              </a:rPr>
+              <a:t>LOCUL</a:t>
+            </a:r>
+            <a:endParaRPr lang="ro-RO" b="1" dirty="0">
+              <a:latin typeface="Arial" panose="020B0604020202020204" pitchFamily="34" charset="0"/>
+              <a:cs typeface="Arial" panose="020B0604020202020204" pitchFamily="34" charset="0"/>
+            </a:endParaRPr>
+          </a:p>
+        </p:txBody>
+      </p:sp>
+      <p:sp>
+        <p:nvSpPr>
+          <p:cNvPr id="3" name="Content Placeholder 2"/>
+          <p:cNvSpPr>
+            <a:spLocks noGrp="1"/>
+          </p:cNvSpPr>
+          <p:nvPr>
+            <p:ph idx="1"/>
+          </p:nvPr>
+        </p:nvSpPr>
+        <p:spPr/>
+        <p:txBody>
+          <a:bodyPr/>
+          <a:lstStyle/>
+          <a:p>
+            <a:pPr marL="0" indent="0">
+              <a:buNone/>
+            </a:pPr>
+            <a:r>
+              <a:rPr lang="ro-RO" dirty="0" smtClean="0">
+                <a:latin typeface="Arial" panose="020B0604020202020204" pitchFamily="34" charset="0"/>
+                <a:cs typeface="Arial" panose="020B0604020202020204" pitchFamily="34" charset="0"/>
+              </a:rPr>
+              <a:t>Un studiu arată că majoritatea persoanelor care au fost implicate în incidentul de la </a:t>
+            </a:r>
+            <a:r>
+              <a:rPr lang="ro-RO" b="1" dirty="0" smtClean="0">
+                <a:latin typeface="Arial" panose="020B0604020202020204" pitchFamily="34" charset="0"/>
+                <a:cs typeface="Arial" panose="020B0604020202020204" pitchFamily="34" charset="0"/>
+              </a:rPr>
+              <a:t>11 septembrie</a:t>
+            </a:r>
+            <a:r>
+              <a:rPr lang="ro-RO" dirty="0" smtClean="0">
+                <a:latin typeface="Arial" panose="020B0604020202020204" pitchFamily="34" charset="0"/>
+                <a:cs typeface="Arial" panose="020B0604020202020204" pitchFamily="34" charset="0"/>
+              </a:rPr>
+              <a:t>, își aduc </a:t>
+            </a:r>
+            <a:r>
+              <a:rPr lang="ro-RO" b="1" dirty="0" smtClean="0">
+                <a:solidFill>
+                  <a:schemeClr val="accent6"/>
+                </a:solidFill>
+                <a:latin typeface="Arial" panose="020B0604020202020204" pitchFamily="34" charset="0"/>
+                <a:cs typeface="Arial" panose="020B0604020202020204" pitchFamily="34" charset="0"/>
+              </a:rPr>
+              <a:t>perfect aminte locul </a:t>
+            </a:r>
+            <a:r>
+              <a:rPr lang="ro-RO" dirty="0" smtClean="0">
+                <a:latin typeface="Arial" panose="020B0604020202020204" pitchFamily="34" charset="0"/>
+                <a:cs typeface="Arial" panose="020B0604020202020204" pitchFamily="34" charset="0"/>
+              </a:rPr>
+              <a:t>în care se aflau. </a:t>
+            </a:r>
+          </a:p>
+          <a:p>
+            <a:pPr marL="0" indent="0">
+              <a:buNone/>
+            </a:pPr>
+            <a:endParaRPr lang="ro-RO" dirty="0">
+              <a:latin typeface="Arial" panose="020B0604020202020204" pitchFamily="34" charset="0"/>
+              <a:cs typeface="Arial" panose="020B0604020202020204" pitchFamily="34" charset="0"/>
+            </a:endParaRPr>
+          </a:p>
+        </p:txBody>
+      </p:sp>
+      <p:pic>
+        <p:nvPicPr>
+          <p:cNvPr id="4" name="Picture 3"/>
+          <p:cNvPicPr>
+            <a:picLocks noChangeAspect="1"/>
+          </p:cNvPicPr>
+          <p:nvPr/>
+        </p:nvPicPr>
+        <p:blipFill rotWithShape="1">
+          <a:blip r:embed="rId2">
+            <a:extLst>
+              <a:ext uri="{28A0092B-C50C-407E-A947-70E740481C1C}">
+                <a14:useLocalDpi xmlns:a14="http://schemas.microsoft.com/office/drawing/2010/main" val="0"/>
+              </a:ext>
+            </a:extLst>
+          </a:blip>
+          <a:srcRect r="21759"/>
+          <a:stretch/>
+        </p:blipFill>
+        <p:spPr>
+          <a:xfrm>
+            <a:off x="4218037" y="3588773"/>
+            <a:ext cx="3323304" cy="2440243"/>
+          </a:xfrm>
+          <a:prstGeom prst="rect">
+            <a:avLst/>
+          </a:prstGeom>
+        </p:spPr>
+      </p:pic>
+    </p:spTree>
+    <p:extLst>
+      <p:ext uri="{BB962C8B-B14F-4D97-AF65-F5344CB8AC3E}">
+        <p14:creationId xmlns:p14="http://schemas.microsoft.com/office/powerpoint/2010/main" val="4266375213"/>
+      </p:ext>
+    </p:extLst>
+  </p:cSld>
+  <p:clrMapOvr>
+    <a:masterClrMapping/>
+  </p:clrMapOvr>
+  <p:timing>
+    <p:tnLst>
+      <p:par>
+        <p:cTn id="1" dur="indefinite" restart="never" nodeType="tmRoot"/>
+      </p:par>
+    </p:tnLst>
+  </p:timing>
 </p:sld>
 </file>
 
